--- a/0317_sample.pptx
+++ b/0317_sample.pptx
@@ -257,7 +257,7 @@
           <a:p>
             <a:fld id="{684ABEAC-FD1E-446D-854E-09142DFB339C}" type="datetimeFigureOut">
               <a:rPr lang="ko-KR" altLang="en-US" smtClean="0"/>
-              <a:t>2023-03-20</a:t>
+              <a:t>2023-03-21</a:t>
             </a:fld>
             <a:endParaRPr lang="ko-KR" altLang="en-US"/>
           </a:p>
@@ -422,7 +422,7 @@
           <a:p>
             <a:fld id="{E299D967-67B2-4132-B52D-A253871A1F24}" type="datetimeFigureOut">
               <a:rPr lang="ko-KR" altLang="en-US" smtClean="0"/>
-              <a:t>2023-03-20</a:t>
+              <a:t>2023-03-21</a:t>
             </a:fld>
             <a:endParaRPr lang="ko-KR" altLang="en-US"/>
           </a:p>
@@ -1132,7 +1132,7 @@
           <a:p>
             <a:fld id="{20303F18-CB98-4E85-A37B-EF5A4E6C8DE7}" type="datetime1">
               <a:rPr lang="ko-KR" altLang="en-US" smtClean="0"/>
-              <a:t>2023-03-20</a:t>
+              <a:t>2023-03-21</a:t>
             </a:fld>
             <a:endParaRPr lang="ko-KR" altLang="en-US"/>
           </a:p>
@@ -1305,7 +1305,7 @@
           <a:p>
             <a:fld id="{CCA16C65-58A5-46D5-A762-12670B92641B}" type="datetime1">
               <a:rPr lang="ko-KR" altLang="en-US" smtClean="0"/>
-              <a:t>2023-03-20</a:t>
+              <a:t>2023-03-21</a:t>
             </a:fld>
             <a:endParaRPr lang="ko-KR" altLang="en-US"/>
           </a:p>
@@ -1483,7 +1483,7 @@
           <a:p>
             <a:fld id="{2D09A68A-AC6E-41FE-B28C-2BB812CC2E01}" type="datetime1">
               <a:rPr lang="ko-KR" altLang="en-US" smtClean="0"/>
-              <a:t>2023-03-20</a:t>
+              <a:t>2023-03-21</a:t>
             </a:fld>
             <a:endParaRPr lang="ko-KR" altLang="en-US"/>
           </a:p>
@@ -1651,7 +1651,7 @@
           <a:p>
             <a:fld id="{690B8B09-A0F3-4880-B090-7FDDEE5B5065}" type="datetime1">
               <a:rPr lang="ko-KR" altLang="en-US" smtClean="0"/>
-              <a:t>2023-03-20</a:t>
+              <a:t>2023-03-21</a:t>
             </a:fld>
             <a:endParaRPr lang="ko-KR" altLang="en-US"/>
           </a:p>
@@ -1896,7 +1896,7 @@
           <a:p>
             <a:fld id="{82F7D3F4-816B-4FA6-91FC-91836ECD0E53}" type="datetime1">
               <a:rPr lang="ko-KR" altLang="en-US" smtClean="0"/>
-              <a:t>2023-03-20</a:t>
+              <a:t>2023-03-21</a:t>
             </a:fld>
             <a:endParaRPr lang="ko-KR" altLang="en-US"/>
           </a:p>
@@ -2181,7 +2181,7 @@
           <a:p>
             <a:fld id="{2FB9FCFF-984A-4549-AB53-391F9EC1244A}" type="datetime1">
               <a:rPr lang="ko-KR" altLang="en-US" smtClean="0"/>
-              <a:t>2023-03-20</a:t>
+              <a:t>2023-03-21</a:t>
             </a:fld>
             <a:endParaRPr lang="ko-KR" altLang="en-US"/>
           </a:p>
@@ -2600,7 +2600,7 @@
           <a:p>
             <a:fld id="{94618DE4-C4FE-4171-90C7-38CF01638033}" type="datetime1">
               <a:rPr lang="ko-KR" altLang="en-US" smtClean="0"/>
-              <a:t>2023-03-20</a:t>
+              <a:t>2023-03-21</a:t>
             </a:fld>
             <a:endParaRPr lang="ko-KR" altLang="en-US"/>
           </a:p>
@@ -2717,7 +2717,7 @@
           <a:p>
             <a:fld id="{33587621-9D18-4C20-9B84-3E938621A025}" type="datetime1">
               <a:rPr lang="ko-KR" altLang="en-US" smtClean="0"/>
-              <a:t>2023-03-20</a:t>
+              <a:t>2023-03-21</a:t>
             </a:fld>
             <a:endParaRPr lang="ko-KR" altLang="en-US"/>
           </a:p>
@@ -3401,7 +3401,7 @@
           <a:p>
             <a:fld id="{B517649B-2577-404C-858E-51E9DEBB2548}" type="datetime1">
               <a:rPr lang="ko-KR" altLang="en-US" smtClean="0"/>
-              <a:t>2023-03-20</a:t>
+              <a:t>2023-03-21</a:t>
             </a:fld>
             <a:endParaRPr lang="ko-KR" altLang="en-US"/>
           </a:p>
@@ -3653,7 +3653,7 @@
           <a:p>
             <a:fld id="{8D84C674-EF46-4F27-9E3E-4F6A170B0DC6}" type="datetime1">
               <a:rPr lang="ko-KR" altLang="en-US" smtClean="0"/>
-              <a:t>2023-03-20</a:t>
+              <a:t>2023-03-21</a:t>
             </a:fld>
             <a:endParaRPr lang="ko-KR" altLang="en-US"/>
           </a:p>
@@ -3864,7 +3864,7 @@
           <a:p>
             <a:fld id="{B40F11ED-9D7B-4CCE-A57D-CC1D7760FB25}" type="datetime1">
               <a:rPr lang="ko-KR" altLang="en-US" smtClean="0"/>
-              <a:t>2023-03-20</a:t>
+              <a:t>2023-03-21</a:t>
             </a:fld>
             <a:endParaRPr lang="ko-KR" altLang="en-US"/>
           </a:p>
@@ -6723,268 +6723,12 @@
         </p:nvGrpSpPr>
         <p:grpSpPr>
           <a:xfrm>
-            <a:off x="-108520" y="1131590"/>
-            <a:ext cx="8280669" cy="3124928"/>
-            <a:chOff x="481510" y="1556792"/>
-            <a:chExt cx="7597257" cy="3628951"/>
+            <a:off x="432818" y="1082340"/>
+            <a:ext cx="8112313" cy="1574832"/>
+            <a:chOff x="978171" y="1499598"/>
+            <a:chExt cx="7442795" cy="1828839"/>
           </a:xfrm>
         </p:grpSpPr>
-        <p:sp>
-          <p:nvSpPr>
-            <p:cNvPr id="3" name="모서리가 둥근 직사각형 2"/>
-            <p:cNvSpPr/>
-            <p:nvPr/>
-          </p:nvSpPr>
-          <p:spPr>
-            <a:xfrm>
-              <a:off x="1079612" y="1556794"/>
-              <a:ext cx="1044116" cy="539390"/>
-            </a:xfrm>
-            <a:prstGeom prst="roundRect">
-              <a:avLst/>
-            </a:prstGeom>
-            <a:solidFill>
-              <a:srgbClr val="987C4D"/>
-            </a:solidFill>
-            <a:ln>
-              <a:noFill/>
-            </a:ln>
-          </p:spPr>
-          <p:style>
-            <a:lnRef idx="2">
-              <a:schemeClr val="accent1">
-                <a:shade val="50000"/>
-              </a:schemeClr>
-            </a:lnRef>
-            <a:fillRef idx="1">
-              <a:schemeClr val="accent1"/>
-            </a:fillRef>
-            <a:effectRef idx="0">
-              <a:schemeClr val="accent1"/>
-            </a:effectRef>
-            <a:fontRef idx="minor">
-              <a:schemeClr val="lt1"/>
-            </a:fontRef>
-          </p:style>
-          <p:txBody>
-            <a:bodyPr rtlCol="0" anchor="ctr"/>
-            <a:lstStyle/>
-            <a:p>
-              <a:pPr algn="ctr"/>
-              <a:r>
-                <a:rPr lang="en-US" altLang="ko-KR" sz="1100" b="1" dirty="0" smtClean="0">
-                  <a:solidFill>
-                    <a:schemeClr val="bg1"/>
-                  </a:solidFill>
-                  <a:latin typeface="HY중고딕" panose="02030600000101010101" pitchFamily="18" charset="-127"/>
-                  <a:ea typeface="HY중고딕" panose="02030600000101010101" pitchFamily="18" charset="-127"/>
-                  <a:cs typeface="Segoe UI Black" panose="020B0A02040204020203" pitchFamily="34" charset="0"/>
-                </a:rPr>
-                <a:t>BRGGINER</a:t>
-              </a:r>
-              <a:endParaRPr lang="ko-KR" altLang="en-US" sz="1100" b="1" dirty="0">
-                <a:solidFill>
-                  <a:schemeClr val="bg1"/>
-                </a:solidFill>
-                <a:latin typeface="HY중고딕" panose="02030600000101010101" pitchFamily="18" charset="-127"/>
-                <a:ea typeface="HY중고딕" panose="02030600000101010101" pitchFamily="18" charset="-127"/>
-                <a:cs typeface="Segoe UI Black" panose="020B0A02040204020203" pitchFamily="34" charset="0"/>
-              </a:endParaRPr>
-            </a:p>
-          </p:txBody>
-        </p:sp>
-        <p:sp>
-          <p:nvSpPr>
-            <p:cNvPr id="4" name="모서리가 둥근 직사각형 3"/>
-            <p:cNvSpPr/>
-            <p:nvPr/>
-          </p:nvSpPr>
-          <p:spPr>
-            <a:xfrm>
-              <a:off x="2941783" y="1556794"/>
-              <a:ext cx="1044116" cy="539390"/>
-            </a:xfrm>
-            <a:prstGeom prst="roundRect">
-              <a:avLst/>
-            </a:prstGeom>
-            <a:solidFill>
-              <a:srgbClr val="987C4D"/>
-            </a:solidFill>
-            <a:ln>
-              <a:noFill/>
-            </a:ln>
-          </p:spPr>
-          <p:style>
-            <a:lnRef idx="2">
-              <a:schemeClr val="accent1">
-                <a:shade val="50000"/>
-              </a:schemeClr>
-            </a:lnRef>
-            <a:fillRef idx="1">
-              <a:schemeClr val="accent1"/>
-            </a:fillRef>
-            <a:effectRef idx="0">
-              <a:schemeClr val="accent1"/>
-            </a:effectRef>
-            <a:fontRef idx="minor">
-              <a:schemeClr val="lt1"/>
-            </a:fontRef>
-          </p:style>
-          <p:txBody>
-            <a:bodyPr rtlCol="0" anchor="ctr"/>
-            <a:lstStyle/>
-            <a:p>
-              <a:pPr algn="ctr"/>
-              <a:r>
-                <a:rPr lang="en-US" altLang="ko-KR" sz="1100" b="1" dirty="0" smtClean="0">
-                  <a:solidFill>
-                    <a:schemeClr val="bg1"/>
-                  </a:solidFill>
-                  <a:latin typeface="HY중고딕" panose="02030600000101010101" pitchFamily="18" charset="-127"/>
-                  <a:ea typeface="HY중고딕" panose="02030600000101010101" pitchFamily="18" charset="-127"/>
-                  <a:cs typeface="Segoe UI Black" panose="020B0A02040204020203" pitchFamily="34" charset="0"/>
-                </a:rPr>
-                <a:t>ROOKIE</a:t>
-              </a:r>
-              <a:endParaRPr lang="ko-KR" altLang="en-US" sz="1100" b="1" dirty="0">
-                <a:solidFill>
-                  <a:schemeClr val="bg1"/>
-                </a:solidFill>
-                <a:latin typeface="HY중고딕" panose="02030600000101010101" pitchFamily="18" charset="-127"/>
-                <a:ea typeface="HY중고딕" panose="02030600000101010101" pitchFamily="18" charset="-127"/>
-                <a:cs typeface="Segoe UI Black" panose="020B0A02040204020203" pitchFamily="34" charset="0"/>
-              </a:endParaRPr>
-            </a:p>
-          </p:txBody>
-        </p:sp>
-        <p:sp>
-          <p:nvSpPr>
-            <p:cNvPr id="5" name="모서리가 둥근 직사각형 4"/>
-            <p:cNvSpPr/>
-            <p:nvPr/>
-          </p:nvSpPr>
-          <p:spPr>
-            <a:xfrm>
-              <a:off x="4829478" y="1556793"/>
-              <a:ext cx="1044116" cy="539390"/>
-            </a:xfrm>
-            <a:prstGeom prst="roundRect">
-              <a:avLst/>
-            </a:prstGeom>
-            <a:solidFill>
-              <a:srgbClr val="987C4D"/>
-            </a:solidFill>
-            <a:ln>
-              <a:noFill/>
-            </a:ln>
-          </p:spPr>
-          <p:style>
-            <a:lnRef idx="2">
-              <a:schemeClr val="accent1">
-                <a:shade val="50000"/>
-              </a:schemeClr>
-            </a:lnRef>
-            <a:fillRef idx="1">
-              <a:schemeClr val="accent1"/>
-            </a:fillRef>
-            <a:effectRef idx="0">
-              <a:schemeClr val="accent1"/>
-            </a:effectRef>
-            <a:fontRef idx="minor">
-              <a:schemeClr val="lt1"/>
-            </a:fontRef>
-          </p:style>
-          <p:txBody>
-            <a:bodyPr rtlCol="0" anchor="ctr"/>
-            <a:lstStyle/>
-            <a:p>
-              <a:pPr algn="ctr"/>
-              <a:r>
-                <a:rPr lang="en-US" altLang="ko-KR" sz="1100" b="1" dirty="0" smtClean="0">
-                  <a:solidFill>
-                    <a:schemeClr val="bg1"/>
-                  </a:solidFill>
-                  <a:latin typeface="HY중고딕" panose="02030600000101010101" pitchFamily="18" charset="-127"/>
-                  <a:ea typeface="HY중고딕" panose="02030600000101010101" pitchFamily="18" charset="-127"/>
-                  <a:cs typeface="Segoe UI Black" panose="020B0A02040204020203" pitchFamily="34" charset="0"/>
-                </a:rPr>
-                <a:t>EXPERT</a:t>
-              </a:r>
-              <a:endParaRPr lang="ko-KR" altLang="en-US" sz="1100" b="1" dirty="0">
-                <a:solidFill>
-                  <a:schemeClr val="bg1"/>
-                </a:solidFill>
-                <a:latin typeface="HY중고딕" panose="02030600000101010101" pitchFamily="18" charset="-127"/>
-                <a:ea typeface="HY중고딕" panose="02030600000101010101" pitchFamily="18" charset="-127"/>
-                <a:cs typeface="Segoe UI Black" panose="020B0A02040204020203" pitchFamily="34" charset="0"/>
-              </a:endParaRPr>
-            </a:p>
-          </p:txBody>
-        </p:sp>
-        <p:sp>
-          <p:nvSpPr>
-            <p:cNvPr id="6" name="모서리가 둥근 직사각형 5"/>
-            <p:cNvSpPr/>
-            <p:nvPr/>
-          </p:nvSpPr>
-          <p:spPr>
-            <a:xfrm>
-              <a:off x="6733126" y="1556792"/>
-              <a:ext cx="1044116" cy="539390"/>
-            </a:xfrm>
-            <a:prstGeom prst="roundRect">
-              <a:avLst/>
-            </a:prstGeom>
-            <a:solidFill>
-              <a:srgbClr val="987C4D"/>
-            </a:solidFill>
-            <a:ln>
-              <a:noFill/>
-            </a:ln>
-          </p:spPr>
-          <p:style>
-            <a:lnRef idx="2">
-              <a:schemeClr val="accent1">
-                <a:shade val="50000"/>
-              </a:schemeClr>
-            </a:lnRef>
-            <a:fillRef idx="1">
-              <a:schemeClr val="accent1"/>
-            </a:fillRef>
-            <a:effectRef idx="0">
-              <a:schemeClr val="accent1"/>
-            </a:effectRef>
-            <a:fontRef idx="minor">
-              <a:schemeClr val="lt1"/>
-            </a:fontRef>
-          </p:style>
-          <p:txBody>
-            <a:bodyPr rtlCol="0" anchor="ctr"/>
-            <a:lstStyle/>
-            <a:p>
-              <a:pPr algn="ctr"/>
-              <a:r>
-                <a:rPr lang="en-US" altLang="ko-KR" sz="1100" b="1" dirty="0" smtClean="0">
-                  <a:solidFill>
-                    <a:schemeClr val="bg1"/>
-                  </a:solidFill>
-                  <a:latin typeface="HY중고딕" panose="02030600000101010101" pitchFamily="18" charset="-127"/>
-                  <a:ea typeface="HY중고딕" panose="02030600000101010101" pitchFamily="18" charset="-127"/>
-                  <a:cs typeface="Segoe UI Black" panose="020B0A02040204020203" pitchFamily="34" charset="0"/>
-                </a:rPr>
-                <a:t>MASTER</a:t>
-              </a:r>
-              <a:endParaRPr lang="ko-KR" altLang="en-US" sz="1100" b="1" dirty="0">
-                <a:solidFill>
-                  <a:schemeClr val="bg1"/>
-                </a:solidFill>
-                <a:latin typeface="HY중고딕" panose="02030600000101010101" pitchFamily="18" charset="-127"/>
-                <a:ea typeface="HY중고딕" panose="02030600000101010101" pitchFamily="18" charset="-127"/>
-                <a:cs typeface="Segoe UI Black" panose="020B0A02040204020203" pitchFamily="34" charset="0"/>
-              </a:endParaRPr>
-            </a:p>
-          </p:txBody>
-        </p:sp>
         <p:sp>
           <p:nvSpPr>
             <p:cNvPr id="7" name="모서리가 둥근 직사각형 6"/>
@@ -6993,7 +6737,7 @@
           </p:nvSpPr>
           <p:spPr>
             <a:xfrm>
-              <a:off x="1059337" y="3037042"/>
+              <a:off x="2940115" y="1499598"/>
               <a:ext cx="864096" cy="539390"/>
             </a:xfrm>
             <a:prstGeom prst="roundRect">
@@ -7069,232 +6813,14 @@
         </p:sp>
         <p:sp>
           <p:nvSpPr>
-            <p:cNvPr id="9" name="오른쪽 화살표 8"/>
-            <p:cNvSpPr/>
-            <p:nvPr/>
-          </p:nvSpPr>
-          <p:spPr>
-            <a:xfrm>
-              <a:off x="2147869" y="1686663"/>
-              <a:ext cx="781169" cy="401165"/>
-            </a:xfrm>
-            <a:prstGeom prst="rightArrow">
-              <a:avLst/>
-            </a:prstGeom>
-            <a:solidFill>
-              <a:srgbClr val="333333"/>
-            </a:solidFill>
-            <a:ln>
-              <a:solidFill>
-                <a:srgbClr val="333333"/>
-              </a:solidFill>
-            </a:ln>
-          </p:spPr>
-          <p:style>
-            <a:lnRef idx="2">
-              <a:schemeClr val="accent1">
-                <a:shade val="50000"/>
-              </a:schemeClr>
-            </a:lnRef>
-            <a:fillRef idx="1">
-              <a:schemeClr val="accent1"/>
-            </a:fillRef>
-            <a:effectRef idx="0">
-              <a:schemeClr val="accent1"/>
-            </a:effectRef>
-            <a:fontRef idx="minor">
-              <a:schemeClr val="lt1"/>
-            </a:fontRef>
-          </p:style>
-          <p:txBody>
-            <a:bodyPr rtlCol="0" anchor="ctr"/>
-            <a:lstStyle/>
-            <a:p>
-              <a:pPr algn="ctr"/>
-              <a:r>
-                <a:rPr lang="en-US" altLang="ko-KR" sz="900" dirty="0" smtClean="0"/>
-                <a:t>10~29</a:t>
-              </a:r>
-              <a:endParaRPr lang="ko-KR" altLang="en-US" sz="900" dirty="0"/>
-            </a:p>
-          </p:txBody>
-        </p:sp>
-        <p:sp>
-          <p:nvSpPr>
-            <p:cNvPr id="11" name="TextBox 10"/>
-            <p:cNvSpPr txBox="1"/>
-            <p:nvPr/>
-          </p:nvSpPr>
-          <p:spPr>
-            <a:xfrm>
-              <a:off x="481510" y="2112883"/>
-              <a:ext cx="2025558" cy="321676"/>
-            </a:xfrm>
-            <a:prstGeom prst="rect">
-              <a:avLst/>
-            </a:prstGeom>
-            <a:noFill/>
-          </p:spPr>
-          <p:txBody>
-            <a:bodyPr wrap="square" rtlCol="0">
-              <a:spAutoFit/>
-            </a:bodyPr>
-            <a:lstStyle/>
-            <a:p>
-              <a:pPr marL="285750" algn="ctr">
-                <a:buFont typeface="Arial" panose="020B0604020202020204" pitchFamily="34" charset="0"/>
-                <a:buChar char="•"/>
-              </a:pPr>
-              <a:r>
-                <a:rPr lang="ko-KR" altLang="en-US" sz="1200" b="1" dirty="0">
-                  <a:solidFill>
-                    <a:srgbClr val="464646"/>
-                  </a:solidFill>
-                  <a:latin typeface="+mn-ea"/>
-                </a:rPr>
-                <a:t> </a:t>
-              </a:r>
-              <a:r>
-                <a:rPr lang="ko-KR" altLang="en-US" sz="1200" b="1" dirty="0" smtClean="0">
-                  <a:solidFill>
-                    <a:srgbClr val="464646"/>
-                  </a:solidFill>
-                  <a:latin typeface="+mn-ea"/>
-                </a:rPr>
-                <a:t>프로젝트 신청 가능</a:t>
-              </a:r>
-              <a:endParaRPr lang="ko-KR" altLang="en-US" sz="1200" b="1" dirty="0">
-                <a:solidFill>
-                  <a:srgbClr val="464646"/>
-                </a:solidFill>
-                <a:latin typeface="+mn-ea"/>
-              </a:endParaRPr>
-            </a:p>
-          </p:txBody>
-        </p:sp>
-        <p:sp>
-          <p:nvSpPr>
-            <p:cNvPr id="12" name="TextBox 11"/>
-            <p:cNvSpPr txBox="1"/>
-            <p:nvPr/>
-          </p:nvSpPr>
-          <p:spPr>
-            <a:xfrm>
-              <a:off x="2268794" y="2158320"/>
-              <a:ext cx="2115350" cy="321676"/>
-            </a:xfrm>
-            <a:prstGeom prst="rect">
-              <a:avLst/>
-            </a:prstGeom>
-            <a:noFill/>
-          </p:spPr>
-          <p:txBody>
-            <a:bodyPr wrap="square" rtlCol="0">
-              <a:spAutoFit/>
-            </a:bodyPr>
-            <a:lstStyle/>
-            <a:p>
-              <a:pPr marL="285750"/>
-              <a:r>
-                <a:rPr lang="en-US" altLang="ko-KR" sz="1200" b="1" dirty="0" smtClean="0">
-                  <a:solidFill>
-                    <a:srgbClr val="464646"/>
-                  </a:solidFill>
-                  <a:latin typeface="+mn-ea"/>
-                </a:rPr>
-                <a:t>.</a:t>
-              </a:r>
-              <a:r>
-                <a:rPr lang="ko-KR" altLang="en-US" sz="1200" b="1" dirty="0" smtClean="0">
-                  <a:solidFill>
-                    <a:srgbClr val="464646"/>
-                  </a:solidFill>
-                  <a:latin typeface="+mn-ea"/>
-                </a:rPr>
-                <a:t> 자유 게시판 이용 가능</a:t>
-              </a:r>
-              <a:endParaRPr lang="ko-KR" altLang="en-US" sz="1200" b="1" dirty="0">
-                <a:solidFill>
-                  <a:srgbClr val="464646"/>
-                </a:solidFill>
-                <a:latin typeface="+mn-ea"/>
-              </a:endParaRPr>
-            </a:p>
-          </p:txBody>
-        </p:sp>
-        <p:sp>
-          <p:nvSpPr>
-            <p:cNvPr id="13" name="TextBox 12"/>
-            <p:cNvSpPr txBox="1"/>
-            <p:nvPr/>
-          </p:nvSpPr>
-          <p:spPr>
-            <a:xfrm>
-              <a:off x="4581017" y="2117680"/>
-              <a:ext cx="1647167" cy="330611"/>
-            </a:xfrm>
-            <a:prstGeom prst="rect">
-              <a:avLst/>
-            </a:prstGeom>
-            <a:noFill/>
-          </p:spPr>
-          <p:txBody>
-            <a:bodyPr wrap="square" rtlCol="0">
-              <a:spAutoFit/>
-            </a:bodyPr>
-            <a:lstStyle/>
-            <a:p>
-              <a:pPr algn="ctr">
-                <a:lnSpc>
-                  <a:spcPts val="1500"/>
-                </a:lnSpc>
-              </a:pPr>
-              <a:r>
-                <a:rPr lang="ko-KR" altLang="en-US" sz="1200" b="1" dirty="0" smtClean="0">
-                  <a:solidFill>
-                    <a:srgbClr val="464646"/>
-                  </a:solidFill>
-                  <a:latin typeface="+mn-ea"/>
-                </a:rPr>
-                <a:t>프로젝트 채용 </a:t>
-              </a:r>
-              <a:r>
-                <a:rPr lang="en-US" altLang="ko-KR" sz="1200" b="1" dirty="0" smtClean="0">
-                  <a:solidFill>
-                    <a:srgbClr val="464646"/>
-                  </a:solidFill>
-                  <a:latin typeface="+mn-ea"/>
-                </a:rPr>
-                <a:t>2</a:t>
-              </a:r>
-              <a:r>
-                <a:rPr lang="ko-KR" altLang="en-US" sz="1200" b="1" dirty="0" smtClean="0">
-                  <a:solidFill>
-                    <a:srgbClr val="464646"/>
-                  </a:solidFill>
-                  <a:latin typeface="+mn-ea"/>
-                </a:rPr>
-                <a:t>순위</a:t>
-              </a:r>
-              <a:endParaRPr lang="ko-KR" altLang="en-US" sz="1200" b="1" dirty="0">
-                <a:solidFill>
-                  <a:srgbClr val="464646"/>
-                </a:solidFill>
-                <a:latin typeface="+mn-ea"/>
-              </a:endParaRPr>
-            </a:p>
-          </p:txBody>
-        </p:sp>
-        <p:sp>
-          <p:nvSpPr>
             <p:cNvPr id="19" name="TextBox 18"/>
             <p:cNvSpPr txBox="1"/>
             <p:nvPr/>
           </p:nvSpPr>
           <p:spPr>
             <a:xfrm>
-              <a:off x="951324" y="3578452"/>
-              <a:ext cx="1427281" cy="643353"/>
+              <a:off x="2858343" y="2041010"/>
+              <a:ext cx="1690389" cy="1233093"/>
             </a:xfrm>
             <a:prstGeom prst="rect">
               <a:avLst/>
@@ -7308,7 +6834,69 @@
             <a:lstStyle/>
             <a:p>
               <a:r>
+                <a:rPr lang="en-US" altLang="ko-KR" sz="900" b="1" dirty="0">
+                  <a:solidFill>
+                    <a:srgbClr val="464646"/>
+                  </a:solidFill>
+                  <a:latin typeface="+mn-ea"/>
+                </a:rPr>
+                <a:t>. </a:t>
+              </a:r>
+              <a:r>
                 <a:rPr lang="ko-KR" altLang="en-US" sz="900" b="1" dirty="0">
+                  <a:solidFill>
+                    <a:srgbClr val="464646"/>
+                  </a:solidFill>
+                  <a:latin typeface="+mn-ea"/>
+                </a:rPr>
+                <a:t>프로젝트 등록</a:t>
+              </a:r>
+              <a:r>
+                <a:rPr lang="en-US" altLang="ko-KR" sz="900" b="1" dirty="0">
+                  <a:solidFill>
+                    <a:srgbClr val="464646"/>
+                  </a:solidFill>
+                  <a:latin typeface="+mn-ea"/>
+                </a:rPr>
+                <a:t>,</a:t>
+              </a:r>
+              <a:r>
+                <a:rPr lang="ko-KR" altLang="en-US" sz="900" b="1" dirty="0">
+                  <a:solidFill>
+                    <a:srgbClr val="464646"/>
+                  </a:solidFill>
+                  <a:latin typeface="+mn-ea"/>
+                </a:rPr>
+                <a:t>수정</a:t>
+              </a:r>
+              <a:r>
+                <a:rPr lang="en-US" altLang="ko-KR" sz="900" b="1" dirty="0">
+                  <a:solidFill>
+                    <a:srgbClr val="464646"/>
+                  </a:solidFill>
+                  <a:latin typeface="+mn-ea"/>
+                </a:rPr>
+                <a:t>,</a:t>
+              </a:r>
+              <a:r>
+                <a:rPr lang="ko-KR" altLang="en-US" sz="900" b="1" dirty="0">
+                  <a:solidFill>
+                    <a:srgbClr val="464646"/>
+                  </a:solidFill>
+                  <a:latin typeface="+mn-ea"/>
+                </a:rPr>
+                <a:t>삭제 가능</a:t>
+              </a:r>
+              <a:endParaRPr lang="en-US" altLang="ko-KR" sz="900" b="1" dirty="0" smtClean="0">
+                <a:solidFill>
+                  <a:srgbClr val="464646"/>
+                </a:solidFill>
+                <a:latin typeface="+mn-ea"/>
+              </a:endParaRPr>
+            </a:p>
+            <a:p>
+              <a:r>
+                <a:rPr lang="ko-KR" altLang="en-US" sz="900" b="1" dirty="0" smtClean="0">
                   <a:solidFill>
                     <a:srgbClr val="464646"/>
                   </a:solidFill>
@@ -7323,16 +6911,34 @@
                   </a:solidFill>
                   <a:latin typeface="+mn-ea"/>
                 </a:rPr>
-                <a:t>녹음 작업자 관리</a:t>
+                <a:t>녹음 </a:t>
               </a:r>
-              <a:endParaRPr lang="en-US" altLang="ko-KR" sz="900" b="1" dirty="0" smtClean="0">
-                <a:solidFill>
-                  <a:srgbClr val="464646"/>
-                </a:solidFill>
-                <a:latin typeface="+mn-ea"/>
-              </a:endParaRPr>
-            </a:p>
-            <a:p>
+              <a:r>
+                <a:rPr lang="ko-KR" altLang="en-US" sz="900" b="1" dirty="0" smtClean="0">
+                  <a:solidFill>
+                    <a:srgbClr val="464646"/>
+                  </a:solidFill>
+                  <a:latin typeface="+mn-ea"/>
+                </a:rPr>
+                <a:t>작업자 정보 열람 가능</a:t>
+              </a:r>
+              <a:r>
+                <a:rPr lang="en-US" altLang="ko-KR" sz="900" b="1" dirty="0" smtClean="0">
+                  <a:solidFill>
+                    <a:srgbClr val="464646"/>
+                  </a:solidFill>
+                  <a:latin typeface="+mn-ea"/>
+                </a:rPr>
+                <a:t/>
+              </a:r>
+              <a:br>
+                <a:rPr lang="en-US" altLang="ko-KR" sz="900" b="1" dirty="0" smtClean="0">
+                  <a:solidFill>
+                    <a:srgbClr val="464646"/>
+                  </a:solidFill>
+                  <a:latin typeface="+mn-ea"/>
+                </a:rPr>
+              </a:br>
               <a:r>
                 <a:rPr lang="en-US" altLang="ko-KR" sz="900" b="1" dirty="0" smtClean="0">
                   <a:solidFill>
@@ -7349,80 +6955,131 @@
                   </a:solidFill>
                   <a:latin typeface="+mn-ea"/>
                 </a:rPr>
-                <a:t>업로드 게시판 관리</a:t>
+                <a:t>프로젝트에 녹음 작업자 배치 </a:t>
               </a:r>
-              <a:endParaRPr lang="en-US" altLang="ko-KR" sz="900" b="1" dirty="0" smtClean="0">
-                <a:solidFill>
-                  <a:srgbClr val="464646"/>
-                </a:solidFill>
-                <a:latin typeface="+mn-ea"/>
-              </a:endParaRPr>
-            </a:p>
-            <a:p>
-              <a:endParaRPr lang="en-US" altLang="ko-KR" sz="1200" b="1" dirty="0" smtClean="0">
-                <a:solidFill>
-                  <a:srgbClr val="464646"/>
-                </a:solidFill>
-                <a:latin typeface="+mn-ea"/>
-              </a:endParaRPr>
-            </a:p>
-          </p:txBody>
-        </p:sp>
-        <p:sp>
-          <p:nvSpPr>
-            <p:cNvPr id="33" name="TextBox 32"/>
-            <p:cNvSpPr txBox="1"/>
-            <p:nvPr/>
-          </p:nvSpPr>
-          <p:spPr>
-            <a:xfrm>
-              <a:off x="6431600" y="2114354"/>
-              <a:ext cx="1647167" cy="330611"/>
-            </a:xfrm>
-            <a:prstGeom prst="rect">
-              <a:avLst/>
-            </a:prstGeom>
-            <a:noFill/>
-          </p:spPr>
-          <p:txBody>
-            <a:bodyPr wrap="square" rtlCol="0">
-              <a:spAutoFit/>
-            </a:bodyPr>
-            <a:lstStyle/>
-            <a:p>
-              <a:pPr algn="ctr">
-                <a:lnSpc>
-                  <a:spcPts val="1500"/>
-                </a:lnSpc>
-              </a:pPr>
               <a:r>
-                <a:rPr lang="ko-KR" altLang="en-US" sz="1200" b="1" dirty="0" smtClean="0">
+                <a:rPr lang="en-US" altLang="ko-KR" sz="900" b="1" dirty="0" smtClean="0">
                   <a:solidFill>
                     <a:srgbClr val="464646"/>
                   </a:solidFill>
                   <a:latin typeface="+mn-ea"/>
                 </a:rPr>
-                <a:t>프로젝트 채용 </a:t>
+                <a:t/>
               </a:r>
-              <a:r>
-                <a:rPr lang="en-US" altLang="ko-KR" sz="1200" b="1" dirty="0">
+              <a:br>
+                <a:rPr lang="en-US" altLang="ko-KR" sz="900" b="1" dirty="0" smtClean="0">
                   <a:solidFill>
                     <a:srgbClr val="464646"/>
                   </a:solidFill>
                   <a:latin typeface="+mn-ea"/>
                 </a:rPr>
-                <a:t>1</a:t>
-              </a:r>
+              </a:br>
               <a:r>
-                <a:rPr lang="ko-KR" altLang="en-US" sz="1200" b="1" dirty="0" smtClean="0">
+                <a:rPr lang="en-US" altLang="ko-KR" sz="900" b="1" dirty="0" smtClean="0">
                   <a:solidFill>
                     <a:srgbClr val="464646"/>
                   </a:solidFill>
                   <a:latin typeface="+mn-ea"/>
                 </a:rPr>
-                <a:t>순위</a:t>
+                <a:t>  </a:t>
               </a:r>
-              <a:endParaRPr lang="ko-KR" altLang="en-US" sz="1200" b="1" dirty="0">
+              <a:r>
+                <a:rPr lang="ko-KR" altLang="en-US" sz="900" b="1" dirty="0" smtClean="0">
+                  <a:solidFill>
+                    <a:srgbClr val="464646"/>
+                  </a:solidFill>
+                  <a:latin typeface="+mn-ea"/>
+                </a:rPr>
+                <a:t>가능</a:t>
+              </a:r>
+              <a:endParaRPr lang="en-US" altLang="ko-KR" sz="900" b="1" dirty="0" smtClean="0">
+                <a:solidFill>
+                  <a:srgbClr val="464646"/>
+                </a:solidFill>
+                <a:latin typeface="+mn-ea"/>
+              </a:endParaRPr>
+            </a:p>
+            <a:p>
+              <a:r>
+                <a:rPr lang="en-US" altLang="ko-KR" sz="900" b="1" dirty="0">
+                  <a:solidFill>
+                    <a:srgbClr val="464646"/>
+                  </a:solidFill>
+                  <a:latin typeface="+mn-ea"/>
+                </a:rPr>
+                <a:t>. </a:t>
+              </a:r>
+              <a:r>
+                <a:rPr lang="ko-KR" altLang="en-US" sz="900" b="1" dirty="0">
+                  <a:solidFill>
+                    <a:srgbClr val="464646"/>
+                  </a:solidFill>
+                  <a:latin typeface="+mn-ea"/>
+                </a:rPr>
+                <a:t>자유 게시판 등록</a:t>
+              </a:r>
+              <a:r>
+                <a:rPr lang="en-US" altLang="ko-KR" sz="900" b="1" dirty="0">
+                  <a:solidFill>
+                    <a:srgbClr val="464646"/>
+                  </a:solidFill>
+                  <a:latin typeface="+mn-ea"/>
+                </a:rPr>
+                <a:t>, </a:t>
+              </a:r>
+              <a:r>
+                <a:rPr lang="ko-KR" altLang="en-US" sz="900" b="1" dirty="0">
+                  <a:solidFill>
+                    <a:srgbClr val="464646"/>
+                  </a:solidFill>
+                  <a:latin typeface="+mn-ea"/>
+                </a:rPr>
+                <a:t>수정</a:t>
+              </a:r>
+              <a:r>
+                <a:rPr lang="en-US" altLang="ko-KR" sz="900" b="1" dirty="0">
+                  <a:solidFill>
+                    <a:srgbClr val="464646"/>
+                  </a:solidFill>
+                  <a:latin typeface="+mn-ea"/>
+                </a:rPr>
+                <a:t>,</a:t>
+              </a:r>
+              <a:br>
+                <a:rPr lang="en-US" altLang="ko-KR" sz="900" b="1" dirty="0">
+                  <a:solidFill>
+                    <a:srgbClr val="464646"/>
+                  </a:solidFill>
+                  <a:latin typeface="+mn-ea"/>
+                </a:rPr>
+              </a:br>
+              <a:r>
+                <a:rPr lang="en-US" altLang="ko-KR" sz="900" b="1" dirty="0">
+                  <a:solidFill>
+                    <a:srgbClr val="464646"/>
+                  </a:solidFill>
+                  <a:latin typeface="+mn-ea"/>
+                </a:rPr>
+                <a:t>  </a:t>
+              </a:r>
+              <a:r>
+                <a:rPr lang="ko-KR" altLang="en-US" sz="900" b="1" dirty="0">
+                  <a:solidFill>
+                    <a:srgbClr val="464646"/>
+                  </a:solidFill>
+                  <a:latin typeface="+mn-ea"/>
+                </a:rPr>
+                <a:t>삭제 가능</a:t>
+              </a:r>
+              <a:endParaRPr lang="en-US" altLang="ko-KR" sz="900" b="1" dirty="0">
+                <a:solidFill>
+                  <a:srgbClr val="464646"/>
+                </a:solidFill>
+                <a:latin typeface="+mn-ea"/>
+              </a:endParaRPr>
+            </a:p>
+            <a:p>
+              <a:endParaRPr lang="en-US" altLang="ko-KR" sz="900" b="1" dirty="0">
                 <a:solidFill>
                   <a:srgbClr val="464646"/>
                 </a:solidFill>
@@ -7439,7 +7096,7 @@
           </p:nvSpPr>
           <p:spPr>
             <a:xfrm>
-              <a:off x="2513162" y="3037042"/>
+              <a:off x="5106067" y="1529239"/>
               <a:ext cx="864096" cy="539390"/>
             </a:xfrm>
             <a:prstGeom prst="roundRect">
@@ -7501,7 +7158,7 @@
           </p:nvSpPr>
           <p:spPr>
             <a:xfrm>
-              <a:off x="1040802" y="4054592"/>
+              <a:off x="7068010" y="1500318"/>
               <a:ext cx="864096" cy="539390"/>
             </a:xfrm>
             <a:prstGeom prst="roundRect">
@@ -7563,8 +7220,8 @@
           </p:nvSpPr>
           <p:spPr>
             <a:xfrm>
-              <a:off x="2420796" y="3578452"/>
-              <a:ext cx="1427281" cy="643353"/>
+              <a:off x="5013702" y="2070649"/>
+              <a:ext cx="1427281" cy="1125868"/>
             </a:xfrm>
             <a:prstGeom prst="rect">
               <a:avLst/>
@@ -7604,7 +7261,7 @@
             </a:p>
             <a:p>
               <a:r>
-                <a:rPr lang="en-US" altLang="ko-KR" sz="900" b="1" dirty="0" smtClean="0">
+                <a:rPr lang="en-US" altLang="ko-KR" sz="900" b="1" dirty="0">
                   <a:solidFill>
                     <a:srgbClr val="464646"/>
                   </a:solidFill>
@@ -7613,15 +7270,138 @@
                 <a:t>. </a:t>
               </a:r>
               <a:r>
+                <a:rPr lang="ko-KR" altLang="en-US" sz="900" b="1" dirty="0">
+                  <a:solidFill>
+                    <a:srgbClr val="464646"/>
+                  </a:solidFill>
+                  <a:latin typeface="+mn-ea"/>
+                </a:rPr>
+                <a:t>프로젝트에 </a:t>
+              </a:r>
+              <a:r>
                 <a:rPr lang="ko-KR" altLang="en-US" sz="900" b="1" dirty="0" smtClean="0">
                   <a:solidFill>
                     <a:srgbClr val="464646"/>
                   </a:solidFill>
                   <a:latin typeface="+mn-ea"/>
                 </a:rPr>
-                <a:t>신청자의 신청 접수 관리</a:t>
+                <a:t>신청자 배치 </a:t>
               </a:r>
-              <a:endParaRPr lang="en-US" altLang="ko-KR" sz="900" b="1" dirty="0" smtClean="0">
+              <a:r>
+                <a:rPr lang="en-US" altLang="ko-KR" sz="900" b="1" dirty="0">
+                  <a:solidFill>
+                    <a:srgbClr val="464646"/>
+                  </a:solidFill>
+                  <a:latin typeface="+mn-ea"/>
+                </a:rPr>
+                <a:t/>
+              </a:r>
+              <a:br>
+                <a:rPr lang="en-US" altLang="ko-KR" sz="900" b="1" dirty="0">
+                  <a:solidFill>
+                    <a:srgbClr val="464646"/>
+                  </a:solidFill>
+                  <a:latin typeface="+mn-ea"/>
+                </a:rPr>
+              </a:br>
+              <a:r>
+                <a:rPr lang="en-US" altLang="ko-KR" sz="900" b="1" dirty="0">
+                  <a:solidFill>
+                    <a:srgbClr val="464646"/>
+                  </a:solidFill>
+                  <a:latin typeface="+mn-ea"/>
+                </a:rPr>
+                <a:t>  </a:t>
+              </a:r>
+              <a:r>
+                <a:rPr lang="ko-KR" altLang="en-US" sz="900" b="1" dirty="0">
+                  <a:solidFill>
+                    <a:srgbClr val="464646"/>
+                  </a:solidFill>
+                  <a:latin typeface="+mn-ea"/>
+                </a:rPr>
+                <a:t>가능</a:t>
+              </a:r>
+              <a:endParaRPr lang="en-US" altLang="ko-KR" sz="900" b="1" dirty="0">
+                <a:solidFill>
+                  <a:srgbClr val="464646"/>
+                </a:solidFill>
+                <a:latin typeface="+mn-ea"/>
+              </a:endParaRPr>
+            </a:p>
+            <a:p>
+              <a:r>
+                <a:rPr lang="en-US" altLang="ko-KR" sz="900" b="1" dirty="0">
+                  <a:solidFill>
+                    <a:srgbClr val="464646"/>
+                  </a:solidFill>
+                  <a:latin typeface="+mn-ea"/>
+                </a:rPr>
+                <a:t>. </a:t>
+              </a:r>
+              <a:r>
+                <a:rPr lang="ko-KR" altLang="en-US" sz="900" b="1" dirty="0">
+                  <a:solidFill>
+                    <a:srgbClr val="464646"/>
+                  </a:solidFill>
+                  <a:latin typeface="+mn-ea"/>
+                </a:rPr>
+                <a:t>자유 게시판 등록</a:t>
+              </a:r>
+              <a:r>
+                <a:rPr lang="en-US" altLang="ko-KR" sz="900" b="1" dirty="0">
+                  <a:solidFill>
+                    <a:srgbClr val="464646"/>
+                  </a:solidFill>
+                  <a:latin typeface="+mn-ea"/>
+                </a:rPr>
+                <a:t>, </a:t>
+              </a:r>
+              <a:r>
+                <a:rPr lang="ko-KR" altLang="en-US" sz="900" b="1" dirty="0">
+                  <a:solidFill>
+                    <a:srgbClr val="464646"/>
+                  </a:solidFill>
+                  <a:latin typeface="+mn-ea"/>
+                </a:rPr>
+                <a:t>수정</a:t>
+              </a:r>
+              <a:r>
+                <a:rPr lang="en-US" altLang="ko-KR" sz="900" b="1" dirty="0">
+                  <a:solidFill>
+                    <a:srgbClr val="464646"/>
+                  </a:solidFill>
+                  <a:latin typeface="+mn-ea"/>
+                </a:rPr>
+                <a:t>,</a:t>
+              </a:r>
+              <a:br>
+                <a:rPr lang="en-US" altLang="ko-KR" sz="900" b="1" dirty="0">
+                  <a:solidFill>
+                    <a:srgbClr val="464646"/>
+                  </a:solidFill>
+                  <a:latin typeface="+mn-ea"/>
+                </a:rPr>
+              </a:br>
+              <a:r>
+                <a:rPr lang="en-US" altLang="ko-KR" sz="900" b="1" dirty="0">
+                  <a:solidFill>
+                    <a:srgbClr val="464646"/>
+                  </a:solidFill>
+                  <a:latin typeface="+mn-ea"/>
+                </a:rPr>
+                <a:t>  </a:t>
+              </a:r>
+              <a:r>
+                <a:rPr lang="ko-KR" altLang="en-US" sz="900" b="1" dirty="0">
+                  <a:solidFill>
+                    <a:srgbClr val="464646"/>
+                  </a:solidFill>
+                  <a:latin typeface="+mn-ea"/>
+                </a:rPr>
+                <a:t>삭제 가능</a:t>
+              </a:r>
+              <a:endParaRPr lang="en-US" altLang="ko-KR" sz="900" b="1" dirty="0">
                 <a:solidFill>
                   <a:srgbClr val="464646"/>
                 </a:solidFill>
@@ -7646,8 +7426,8 @@
           </p:nvSpPr>
           <p:spPr>
             <a:xfrm>
-              <a:off x="966477" y="4596003"/>
-              <a:ext cx="1427281" cy="589740"/>
+              <a:off x="6993685" y="2041730"/>
+              <a:ext cx="1427281" cy="1286707"/>
             </a:xfrm>
             <a:prstGeom prst="rect">
               <a:avLst/>
@@ -7676,7 +7456,69 @@
                   </a:solidFill>
                   <a:latin typeface="+mn-ea"/>
                 </a:rPr>
-                <a:t>업로드 게시판 이용 가능</a:t>
+                <a:t>업로드 게시판 </a:t>
+              </a:r>
+              <a:r>
+                <a:rPr lang="ko-KR" altLang="en-US" sz="900" b="1" dirty="0" smtClean="0">
+                  <a:solidFill>
+                    <a:srgbClr val="464646"/>
+                  </a:solidFill>
+                  <a:latin typeface="+mn-ea"/>
+                </a:rPr>
+                <a:t>등록</a:t>
+              </a:r>
+              <a:r>
+                <a:rPr lang="en-US" altLang="ko-KR" sz="900" b="1" dirty="0" smtClean="0">
+                  <a:solidFill>
+                    <a:srgbClr val="464646"/>
+                  </a:solidFill>
+                  <a:latin typeface="+mn-ea"/>
+                </a:rPr>
+                <a:t>,</a:t>
+              </a:r>
+              <a:r>
+                <a:rPr lang="ko-KR" altLang="en-US" sz="900" b="1" dirty="0" smtClean="0">
+                  <a:solidFill>
+                    <a:srgbClr val="464646"/>
+                  </a:solidFill>
+                  <a:latin typeface="+mn-ea"/>
+                </a:rPr>
+                <a:t>열람 </a:t>
+              </a:r>
+              <a:r>
+                <a:rPr lang="en-US" altLang="ko-KR" sz="900" b="1" dirty="0" smtClean="0">
+                  <a:solidFill>
+                    <a:srgbClr val="464646"/>
+                  </a:solidFill>
+                  <a:latin typeface="+mn-ea"/>
+                </a:rPr>
+                <a:t/>
+              </a:r>
+              <a:br>
+                <a:rPr lang="en-US" altLang="ko-KR" sz="900" b="1" dirty="0" smtClean="0">
+                  <a:solidFill>
+                    <a:srgbClr val="464646"/>
+                  </a:solidFill>
+                  <a:latin typeface="+mn-ea"/>
+                </a:rPr>
+              </a:br>
+              <a:r>
+                <a:rPr lang="en-US" altLang="ko-KR" sz="900" b="1" dirty="0" smtClean="0">
+                  <a:solidFill>
+                    <a:srgbClr val="464646"/>
+                  </a:solidFill>
+                  <a:latin typeface="+mn-ea"/>
+                </a:rPr>
+                <a:t>  </a:t>
+              </a:r>
+              <a:r>
+                <a:rPr lang="ko-KR" altLang="en-US" sz="900" b="1" dirty="0" smtClean="0">
+                  <a:solidFill>
+                    <a:srgbClr val="464646"/>
+                  </a:solidFill>
+                  <a:latin typeface="+mn-ea"/>
+                </a:rPr>
+                <a:t>가능</a:t>
               </a:r>
               <a:endParaRPr lang="en-US" altLang="ko-KR" sz="900" b="1" dirty="0" smtClean="0">
                 <a:solidFill>
@@ -7739,7 +7581,401 @@
                 </a:rPr>
                 <a:t>가능</a:t>
               </a:r>
+              <a:endParaRPr lang="en-US" altLang="ko-KR" sz="900" b="1" dirty="0" smtClean="0">
+                <a:solidFill>
+                  <a:srgbClr val="464646"/>
+                </a:solidFill>
+                <a:latin typeface="+mn-ea"/>
+              </a:endParaRPr>
+            </a:p>
+            <a:p>
+              <a:r>
+                <a:rPr lang="en-US" altLang="ko-KR" sz="900" b="1" dirty="0">
+                  <a:solidFill>
+                    <a:srgbClr val="464646"/>
+                  </a:solidFill>
+                  <a:latin typeface="+mn-ea"/>
+                </a:rPr>
+                <a:t>. </a:t>
+              </a:r>
+              <a:r>
+                <a:rPr lang="ko-KR" altLang="en-US" sz="900" b="1" dirty="0">
+                  <a:solidFill>
+                    <a:srgbClr val="464646"/>
+                  </a:solidFill>
+                  <a:latin typeface="+mn-ea"/>
+                </a:rPr>
+                <a:t>자유 게시판 등록</a:t>
+              </a:r>
+              <a:r>
+                <a:rPr lang="en-US" altLang="ko-KR" sz="900" b="1" dirty="0">
+                  <a:solidFill>
+                    <a:srgbClr val="464646"/>
+                  </a:solidFill>
+                  <a:latin typeface="+mn-ea"/>
+                </a:rPr>
+                <a:t>, </a:t>
+              </a:r>
+              <a:r>
+                <a:rPr lang="ko-KR" altLang="en-US" sz="900" b="1" dirty="0">
+                  <a:solidFill>
+                    <a:srgbClr val="464646"/>
+                  </a:solidFill>
+                  <a:latin typeface="+mn-ea"/>
+                </a:rPr>
+                <a:t>수정</a:t>
+              </a:r>
+              <a:r>
+                <a:rPr lang="en-US" altLang="ko-KR" sz="900" b="1" dirty="0">
+                  <a:solidFill>
+                    <a:srgbClr val="464646"/>
+                  </a:solidFill>
+                  <a:latin typeface="+mn-ea"/>
+                </a:rPr>
+                <a:t>,</a:t>
+              </a:r>
+              <a:br>
+                <a:rPr lang="en-US" altLang="ko-KR" sz="900" b="1" dirty="0">
+                  <a:solidFill>
+                    <a:srgbClr val="464646"/>
+                  </a:solidFill>
+                  <a:latin typeface="+mn-ea"/>
+                </a:rPr>
+              </a:br>
+              <a:r>
+                <a:rPr lang="en-US" altLang="ko-KR" sz="900" b="1" dirty="0">
+                  <a:solidFill>
+                    <a:srgbClr val="464646"/>
+                  </a:solidFill>
+                  <a:latin typeface="+mn-ea"/>
+                </a:rPr>
+                <a:t>  </a:t>
+              </a:r>
+              <a:r>
+                <a:rPr lang="ko-KR" altLang="en-US" sz="900" b="1" dirty="0">
+                  <a:solidFill>
+                    <a:srgbClr val="464646"/>
+                  </a:solidFill>
+                  <a:latin typeface="+mn-ea"/>
+                </a:rPr>
+                <a:t>삭제 가능</a:t>
+              </a:r>
+              <a:endParaRPr lang="en-US" altLang="ko-KR" sz="900" b="1" dirty="0">
+                <a:solidFill>
+                  <a:srgbClr val="464646"/>
+                </a:solidFill>
+                <a:latin typeface="+mn-ea"/>
+              </a:endParaRPr>
+            </a:p>
+            <a:p>
               <a:endParaRPr lang="en-US" altLang="ko-KR" sz="1200" b="1" dirty="0" smtClean="0">
+                <a:solidFill>
+                  <a:srgbClr val="464646"/>
+                </a:solidFill>
+                <a:latin typeface="+mn-ea"/>
+              </a:endParaRPr>
+            </a:p>
+          </p:txBody>
+        </p:sp>
+        <p:sp>
+          <p:nvSpPr>
+            <p:cNvPr id="32" name="모서리가 둥근 직사각형 31"/>
+            <p:cNvSpPr/>
+            <p:nvPr/>
+          </p:nvSpPr>
+          <p:spPr>
+            <a:xfrm>
+              <a:off x="1052497" y="1499598"/>
+              <a:ext cx="864096" cy="539390"/>
+            </a:xfrm>
+            <a:prstGeom prst="roundRect">
+              <a:avLst/>
+            </a:prstGeom>
+            <a:solidFill>
+              <a:srgbClr val="987C4D"/>
+            </a:solidFill>
+            <a:ln>
+              <a:noFill/>
+            </a:ln>
+          </p:spPr>
+          <p:style>
+            <a:lnRef idx="2">
+              <a:schemeClr val="accent1">
+                <a:shade val="50000"/>
+              </a:schemeClr>
+            </a:lnRef>
+            <a:fillRef idx="1">
+              <a:schemeClr val="accent1"/>
+            </a:fillRef>
+            <a:effectRef idx="0">
+              <a:schemeClr val="accent1"/>
+            </a:effectRef>
+            <a:fontRef idx="minor">
+              <a:schemeClr val="lt1"/>
+            </a:fontRef>
+          </p:style>
+          <p:txBody>
+            <a:bodyPr rtlCol="0" anchor="ctr"/>
+            <a:lstStyle/>
+            <a:p>
+              <a:pPr algn="ctr"/>
+              <a:r>
+                <a:rPr lang="ko-KR" altLang="en-US" sz="1050" b="1" dirty="0" smtClean="0">
+                  <a:solidFill>
+                    <a:schemeClr val="bg1"/>
+                  </a:solidFill>
+                  <a:latin typeface="HY중고딕" panose="02030600000101010101" pitchFamily="18" charset="-127"/>
+                  <a:ea typeface="HY중고딕" panose="02030600000101010101" pitchFamily="18" charset="-127"/>
+                </a:rPr>
+                <a:t>프로젝트 </a:t>
+              </a:r>
+              <a:r>
+                <a:rPr lang="en-US" altLang="ko-KR" sz="1050" b="1" dirty="0" smtClean="0">
+                  <a:solidFill>
+                    <a:schemeClr val="bg1"/>
+                  </a:solidFill>
+                  <a:latin typeface="HY중고딕" panose="02030600000101010101" pitchFamily="18" charset="-127"/>
+                  <a:ea typeface="HY중고딕" panose="02030600000101010101" pitchFamily="18" charset="-127"/>
+                </a:rPr>
+                <a:t/>
+              </a:r>
+              <a:br>
+                <a:rPr lang="en-US" altLang="ko-KR" sz="1050" b="1" dirty="0" smtClean="0">
+                  <a:solidFill>
+                    <a:schemeClr val="bg1"/>
+                  </a:solidFill>
+                  <a:latin typeface="HY중고딕" panose="02030600000101010101" pitchFamily="18" charset="-127"/>
+                  <a:ea typeface="HY중고딕" panose="02030600000101010101" pitchFamily="18" charset="-127"/>
+                </a:rPr>
+              </a:br>
+              <a:r>
+                <a:rPr lang="ko-KR" altLang="en-US" sz="1050" b="1" dirty="0" smtClean="0">
+                  <a:solidFill>
+                    <a:schemeClr val="bg1"/>
+                  </a:solidFill>
+                  <a:latin typeface="HY중고딕" panose="02030600000101010101" pitchFamily="18" charset="-127"/>
+                  <a:ea typeface="HY중고딕" panose="02030600000101010101" pitchFamily="18" charset="-127"/>
+                </a:rPr>
+                <a:t>신청자</a:t>
+              </a:r>
+              <a:endParaRPr lang="ko-KR" altLang="en-US" sz="1050" b="1" dirty="0">
+                <a:solidFill>
+                  <a:schemeClr val="bg1"/>
+                </a:solidFill>
+                <a:latin typeface="HY중고딕" panose="02030600000101010101" pitchFamily="18" charset="-127"/>
+                <a:ea typeface="HY중고딕" panose="02030600000101010101" pitchFamily="18" charset="-127"/>
+              </a:endParaRPr>
+            </a:p>
+          </p:txBody>
+        </p:sp>
+        <p:sp>
+          <p:nvSpPr>
+            <p:cNvPr id="34" name="TextBox 33"/>
+            <p:cNvSpPr txBox="1"/>
+            <p:nvPr/>
+          </p:nvSpPr>
+          <p:spPr>
+            <a:xfrm>
+              <a:off x="978171" y="2041008"/>
+              <a:ext cx="1570297" cy="911416"/>
+            </a:xfrm>
+            <a:prstGeom prst="rect">
+              <a:avLst/>
+            </a:prstGeom>
+            <a:noFill/>
+          </p:spPr>
+          <p:txBody>
+            <a:bodyPr wrap="square" rtlCol="0">
+              <a:spAutoFit/>
+            </a:bodyPr>
+            <a:lstStyle/>
+            <a:p>
+              <a:r>
+                <a:rPr lang="ko-KR" altLang="en-US" sz="900" b="1" dirty="0">
+                  <a:solidFill>
+                    <a:srgbClr val="464646"/>
+                  </a:solidFill>
+                  <a:latin typeface="+mn-ea"/>
+                </a:rPr>
+                <a:t>∙ </a:t>
+              </a:r>
+              <a:r>
+                <a:rPr lang="ko-KR" altLang="en-US" sz="900" b="1" dirty="0" smtClean="0">
+                  <a:solidFill>
+                    <a:srgbClr val="464646"/>
+                  </a:solidFill>
+                  <a:latin typeface="+mn-ea"/>
+                </a:rPr>
+                <a:t>프로젝트 참여 희망자</a:t>
+              </a:r>
+              <a:r>
+                <a:rPr lang="en-US" altLang="ko-KR" sz="900" b="1" dirty="0" smtClean="0">
+                  <a:solidFill>
+                    <a:srgbClr val="464646"/>
+                  </a:solidFill>
+                  <a:latin typeface="+mn-ea"/>
+                </a:rPr>
+                <a:t/>
+              </a:r>
+              <a:br>
+                <a:rPr lang="en-US" altLang="ko-KR" sz="900" b="1" dirty="0" smtClean="0">
+                  <a:solidFill>
+                    <a:srgbClr val="464646"/>
+                  </a:solidFill>
+                  <a:latin typeface="+mn-ea"/>
+                </a:rPr>
+              </a:br>
+              <a:r>
+                <a:rPr lang="en-US" altLang="ko-KR" sz="900" b="1" dirty="0" smtClean="0">
+                  <a:solidFill>
+                    <a:srgbClr val="464646"/>
+                  </a:solidFill>
+                  <a:latin typeface="+mn-ea"/>
+                </a:rPr>
+                <a:t>  (</a:t>
+              </a:r>
+              <a:r>
+                <a:rPr lang="ko-KR" altLang="en-US" sz="900" b="1" dirty="0" err="1" smtClean="0">
+                  <a:solidFill>
+                    <a:srgbClr val="464646"/>
+                  </a:solidFill>
+                  <a:latin typeface="+mn-ea"/>
+                </a:rPr>
+                <a:t>피녹음</a:t>
+              </a:r>
+              <a:r>
+                <a:rPr lang="ko-KR" altLang="en-US" sz="900" b="1" dirty="0" smtClean="0">
+                  <a:solidFill>
+                    <a:srgbClr val="464646"/>
+                  </a:solidFill>
+                  <a:latin typeface="+mn-ea"/>
+                </a:rPr>
+                <a:t> 대상</a:t>
+              </a:r>
+              <a:r>
+                <a:rPr lang="en-US" altLang="ko-KR" sz="900" b="1" dirty="0" smtClean="0">
+                  <a:solidFill>
+                    <a:srgbClr val="464646"/>
+                  </a:solidFill>
+                  <a:latin typeface="+mn-ea"/>
+                </a:rPr>
+                <a:t>)</a:t>
+              </a:r>
+              <a:endParaRPr lang="en-US" altLang="ko-KR" sz="900" b="1" dirty="0" smtClean="0">
+                <a:solidFill>
+                  <a:srgbClr val="464646"/>
+                </a:solidFill>
+                <a:latin typeface="+mn-ea"/>
+              </a:endParaRPr>
+            </a:p>
+            <a:p>
+              <a:r>
+                <a:rPr lang="en-US" altLang="ko-KR" sz="900" b="1" dirty="0" smtClean="0">
+                  <a:solidFill>
+                    <a:srgbClr val="464646"/>
+                  </a:solidFill>
+                  <a:latin typeface="+mn-ea"/>
+                </a:rPr>
+                <a:t>. </a:t>
+              </a:r>
+              <a:r>
+                <a:rPr lang="ko-KR" altLang="en-US" sz="900" b="1" dirty="0" smtClean="0">
+                  <a:solidFill>
+                    <a:srgbClr val="464646"/>
+                  </a:solidFill>
+                  <a:latin typeface="+mn-ea"/>
+                </a:rPr>
+                <a:t>프로젝트 게시판 열람 가능</a:t>
+              </a:r>
+              <a:endParaRPr lang="en-US" altLang="ko-KR" sz="900" b="1" dirty="0" smtClean="0">
+                <a:solidFill>
+                  <a:srgbClr val="464646"/>
+                </a:solidFill>
+                <a:latin typeface="+mn-ea"/>
+              </a:endParaRPr>
+            </a:p>
+            <a:p>
+              <a:r>
+                <a:rPr lang="en-US" altLang="ko-KR" sz="900" b="1" dirty="0">
+                  <a:solidFill>
+                    <a:srgbClr val="464646"/>
+                  </a:solidFill>
+                  <a:latin typeface="+mn-ea"/>
+                </a:rPr>
+                <a:t>. </a:t>
+              </a:r>
+              <a:r>
+                <a:rPr lang="ko-KR" altLang="en-US" sz="900" b="1" dirty="0" smtClean="0">
+                  <a:solidFill>
+                    <a:srgbClr val="464646"/>
+                  </a:solidFill>
+                  <a:latin typeface="+mn-ea"/>
+                </a:rPr>
+                <a:t>자유 게시판 등록</a:t>
+              </a:r>
+              <a:r>
+                <a:rPr lang="en-US" altLang="ko-KR" sz="900" b="1" dirty="0" smtClean="0">
+                  <a:solidFill>
+                    <a:srgbClr val="464646"/>
+                  </a:solidFill>
+                  <a:latin typeface="+mn-ea"/>
+                </a:rPr>
+                <a:t>, </a:t>
+              </a:r>
+              <a:r>
+                <a:rPr lang="ko-KR" altLang="en-US" sz="900" b="1" dirty="0" smtClean="0">
+                  <a:solidFill>
+                    <a:srgbClr val="464646"/>
+                  </a:solidFill>
+                  <a:latin typeface="+mn-ea"/>
+                </a:rPr>
+                <a:t>수정</a:t>
+              </a:r>
+              <a:r>
+                <a:rPr lang="en-US" altLang="ko-KR" sz="900" b="1" dirty="0" smtClean="0">
+                  <a:solidFill>
+                    <a:srgbClr val="464646"/>
+                  </a:solidFill>
+                  <a:latin typeface="+mn-ea"/>
+                </a:rPr>
+                <a:t>,</a:t>
+              </a:r>
+              <a:br>
+                <a:rPr lang="en-US" altLang="ko-KR" sz="900" b="1" dirty="0" smtClean="0">
+                  <a:solidFill>
+                    <a:srgbClr val="464646"/>
+                  </a:solidFill>
+                  <a:latin typeface="+mn-ea"/>
+                </a:rPr>
+              </a:br>
+              <a:r>
+                <a:rPr lang="en-US" altLang="ko-KR" sz="900" b="1" dirty="0" smtClean="0">
+                  <a:solidFill>
+                    <a:srgbClr val="464646"/>
+                  </a:solidFill>
+                  <a:latin typeface="+mn-ea"/>
+                </a:rPr>
+                <a:t>  </a:t>
+              </a:r>
+              <a:r>
+                <a:rPr lang="ko-KR" altLang="en-US" sz="900" b="1" dirty="0" smtClean="0">
+                  <a:solidFill>
+                    <a:srgbClr val="464646"/>
+                  </a:solidFill>
+                  <a:latin typeface="+mn-ea"/>
+                </a:rPr>
+                <a:t>삭제 </a:t>
+              </a:r>
+              <a:r>
+                <a:rPr lang="ko-KR" altLang="en-US" sz="900" b="1" dirty="0">
+                  <a:solidFill>
+                    <a:srgbClr val="464646"/>
+                  </a:solidFill>
+                  <a:latin typeface="+mn-ea"/>
+                </a:rPr>
+                <a:t>가능</a:t>
+              </a:r>
+              <a:endParaRPr lang="en-US" altLang="ko-KR" sz="900" b="1" dirty="0" smtClean="0">
                 <a:solidFill>
                   <a:srgbClr val="464646"/>
                 </a:solidFill>
@@ -7850,121 +8086,14 @@
       </p:sp>
       <p:sp>
         <p:nvSpPr>
-          <p:cNvPr id="28" name="오른쪽 화살표 27"/>
-          <p:cNvSpPr/>
-          <p:nvPr/>
-        </p:nvSpPr>
-        <p:spPr>
-          <a:xfrm>
-            <a:off x="3795296" y="1269567"/>
-            <a:ext cx="794552" cy="345449"/>
-          </a:xfrm>
-          <a:prstGeom prst="rightArrow">
-            <a:avLst/>
-          </a:prstGeom>
-          <a:solidFill>
-            <a:srgbClr val="333333"/>
-          </a:solidFill>
-          <a:ln>
-            <a:solidFill>
-              <a:srgbClr val="333333"/>
-            </a:solidFill>
-          </a:ln>
-        </p:spPr>
-        <p:style>
-          <a:lnRef idx="2">
-            <a:schemeClr val="accent1">
-              <a:shade val="50000"/>
-            </a:schemeClr>
-          </a:lnRef>
-          <a:fillRef idx="1">
-            <a:schemeClr val="accent1"/>
-          </a:fillRef>
-          <a:effectRef idx="0">
-            <a:schemeClr val="accent1"/>
-          </a:effectRef>
-          <a:fontRef idx="minor">
-            <a:schemeClr val="lt1"/>
-          </a:fontRef>
-        </p:style>
-        <p:txBody>
-          <a:bodyPr rtlCol="0" anchor="ctr"/>
-          <a:lstStyle/>
-          <a:p>
-            <a:pPr algn="ctr"/>
-            <a:r>
-              <a:rPr lang="en-US" altLang="ko-KR" sz="900" dirty="0" smtClean="0"/>
-              <a:t>30~59</a:t>
-            </a:r>
-            <a:endParaRPr lang="ko-KR" altLang="en-US" sz="900" dirty="0"/>
-          </a:p>
-        </p:txBody>
-      </p:sp>
-      <p:sp>
-        <p:nvSpPr>
-          <p:cNvPr id="29" name="오른쪽 화살표 28"/>
-          <p:cNvSpPr/>
-          <p:nvPr/>
-        </p:nvSpPr>
-        <p:spPr>
-          <a:xfrm>
-            <a:off x="5870562" y="1234782"/>
-            <a:ext cx="777482" cy="374759"/>
-          </a:xfrm>
-          <a:prstGeom prst="rightArrow">
-            <a:avLst>
-              <a:gd name="adj1" fmla="val 64404"/>
-              <a:gd name="adj2" fmla="val 50000"/>
-            </a:avLst>
-          </a:prstGeom>
-          <a:solidFill>
-            <a:srgbClr val="333333"/>
-          </a:solidFill>
-          <a:ln>
-            <a:solidFill>
-              <a:srgbClr val="333333"/>
-            </a:solidFill>
-          </a:ln>
-        </p:spPr>
-        <p:style>
-          <a:lnRef idx="2">
-            <a:schemeClr val="accent1">
-              <a:shade val="50000"/>
-            </a:schemeClr>
-          </a:lnRef>
-          <a:fillRef idx="1">
-            <a:schemeClr val="accent1"/>
-          </a:fillRef>
-          <a:effectRef idx="0">
-            <a:schemeClr val="accent1"/>
-          </a:effectRef>
-          <a:fontRef idx="minor">
-            <a:schemeClr val="lt1"/>
-          </a:fontRef>
-        </p:style>
-        <p:txBody>
-          <a:bodyPr rtlCol="0" anchor="ctr"/>
-          <a:lstStyle/>
-          <a:p>
-            <a:pPr algn="ctr"/>
-            <a:r>
-              <a:rPr lang="en-US" altLang="ko-KR" sz="900" dirty="0" smtClean="0"/>
-              <a:t>60~</a:t>
-            </a:r>
-            <a:endParaRPr lang="ko-KR" altLang="en-US" sz="900" dirty="0"/>
-          </a:p>
-        </p:txBody>
-      </p:sp>
-      <p:sp>
-        <p:nvSpPr>
           <p:cNvPr id="20" name="모서리가 둥근 직사각형 19"/>
           <p:cNvSpPr/>
           <p:nvPr/>
         </p:nvSpPr>
         <p:spPr>
           <a:xfrm>
-            <a:off x="3862536" y="2566058"/>
-            <a:ext cx="4585121" cy="1296427"/>
+            <a:off x="1288594" y="3032245"/>
+            <a:ext cx="6116955" cy="1296427"/>
           </a:xfrm>
           <a:prstGeom prst="roundRect">
             <a:avLst/>
@@ -8016,14 +8145,14 @@
               <a:t>▷ </a:t>
             </a:r>
             <a:r>
-              <a:rPr lang="ko-KR" altLang="en-US" sz="1000" b="1" dirty="0" smtClean="0">
+              <a:rPr lang="ko-KR" altLang="en-US" sz="1400" b="1" dirty="0" smtClean="0">
                 <a:solidFill>
                   <a:schemeClr val="tx1"/>
                 </a:solidFill>
               </a:rPr>
               <a:t>용어정리</a:t>
             </a:r>
-            <a:endParaRPr lang="en-US" altLang="ko-KR" sz="1000" b="1" dirty="0" smtClean="0">
+            <a:endParaRPr lang="en-US" altLang="ko-KR" sz="1400" b="1" dirty="0" smtClean="0">
               <a:solidFill>
                 <a:schemeClr val="tx1"/>
               </a:solidFill>
@@ -8042,62 +8171,62 @@
               <a:buChar char="-"/>
             </a:pPr>
             <a:r>
-              <a:rPr lang="ko-KR" altLang="en-US" sz="1000" b="1" dirty="0" smtClean="0">
+              <a:rPr lang="ko-KR" altLang="en-US" sz="1200" b="1" dirty="0" smtClean="0">
                 <a:solidFill>
                   <a:schemeClr val="tx1"/>
                 </a:solidFill>
               </a:rPr>
-              <a:t>프로젝트 </a:t>
-            </a:r>
-            <a:r>
-              <a:rPr lang="ko-KR" altLang="en-US" sz="1000" b="1" dirty="0" smtClean="0">
+              <a:t>프로젝트 신청자 </a:t>
+            </a:r>
+            <a:r>
+              <a:rPr lang="en-US" altLang="ko-KR" sz="1200" b="1" dirty="0" smtClean="0">
                 <a:solidFill>
                   <a:schemeClr val="tx1"/>
                 </a:solidFill>
               </a:rPr>
-              <a:t>신청자  </a:t>
-            </a:r>
-            <a:r>
-              <a:rPr lang="en-US" altLang="ko-KR" sz="1000" b="1" dirty="0" smtClean="0">
+              <a:t>: </a:t>
+            </a:r>
+            <a:r>
+              <a:rPr lang="ko-KR" altLang="en-US" sz="1200" b="1" dirty="0" smtClean="0">
                 <a:solidFill>
                   <a:schemeClr val="tx1"/>
                 </a:solidFill>
               </a:rPr>
-              <a:t>: </a:t>
-            </a:r>
-            <a:r>
-              <a:rPr lang="ko-KR" altLang="en-US" sz="1000" b="1" dirty="0" smtClean="0">
+              <a:t>프로젝트에 참여하고자 하는 </a:t>
+            </a:r>
+            <a:r>
+              <a:rPr lang="ko-KR" altLang="en-US" sz="1200" b="1" dirty="0" smtClean="0">
                 <a:solidFill>
                   <a:schemeClr val="tx1"/>
                 </a:solidFill>
               </a:rPr>
-              <a:t>프로젝트에 참여하고자 하는 사람</a:t>
-            </a:r>
-            <a:r>
-              <a:rPr lang="en-US" altLang="ko-KR" sz="1000" b="1" dirty="0" smtClean="0">
+              <a:t>사람</a:t>
+            </a:r>
+            <a:r>
+              <a:rPr lang="en-US" altLang="ko-KR" sz="1200" b="1" dirty="0" smtClean="0">
                 <a:solidFill>
                   <a:schemeClr val="tx1"/>
                 </a:solidFill>
               </a:rPr>
-              <a:t>(</a:t>
-            </a:r>
-            <a:r>
-              <a:rPr lang="ko-KR" altLang="en-US" sz="1000" b="1" dirty="0" smtClean="0">
+              <a:t>. </a:t>
+            </a:r>
+            <a:r>
+              <a:rPr lang="ko-KR" altLang="en-US" sz="1200" b="1" dirty="0" smtClean="0">
                 <a:solidFill>
                   <a:schemeClr val="tx1"/>
                 </a:solidFill>
               </a:rPr>
-              <a:t>회원가입 필수</a:t>
-            </a:r>
-            <a:r>
-              <a:rPr lang="en-US" altLang="ko-KR" sz="1000" b="1" dirty="0" smtClean="0">
+              <a:t>신청을 위해선 회원가입 필수</a:t>
+            </a:r>
+            <a:r>
+              <a:rPr lang="en-US" altLang="ko-KR" sz="1200" b="1" dirty="0">
                 <a:solidFill>
                   <a:schemeClr val="tx1"/>
                 </a:solidFill>
               </a:rPr>
-              <a:t>)</a:t>
-            </a:r>
-            <a:endParaRPr lang="en-US" altLang="ko-KR" sz="1000" b="1" dirty="0">
+              <a:t>.</a:t>
+            </a:r>
+            <a:endParaRPr lang="en-US" altLang="ko-KR" sz="1200" b="1" dirty="0">
               <a:solidFill>
                 <a:schemeClr val="tx1"/>
               </a:solidFill>
@@ -8109,7 +8238,7 @@
               <a:buChar char="-"/>
             </a:pPr>
             <a:r>
-              <a:rPr lang="ko-KR" altLang="en-US" sz="1000" b="1" dirty="0" smtClean="0">
+              <a:rPr lang="ko-KR" altLang="en-US" sz="1200" b="1" dirty="0" smtClean="0">
                 <a:solidFill>
                   <a:schemeClr val="tx1"/>
                 </a:solidFill>
@@ -8117,7 +8246,7 @@
               <a:t>프로젝트 관리자 </a:t>
             </a:r>
             <a:r>
-              <a:rPr lang="en-US" altLang="ko-KR" sz="1000" b="1" dirty="0">
+              <a:rPr lang="en-US" altLang="ko-KR" sz="1200" b="1" dirty="0">
                 <a:solidFill>
                   <a:schemeClr val="tx1"/>
                 </a:solidFill>
@@ -8125,7 +8254,7 @@
               <a:t>: </a:t>
             </a:r>
             <a:r>
-              <a:rPr lang="ko-KR" altLang="en-US" sz="1000" b="1" dirty="0" smtClean="0">
+              <a:rPr lang="ko-KR" altLang="en-US" sz="1200" b="1" dirty="0" smtClean="0">
                 <a:solidFill>
                   <a:schemeClr val="tx1"/>
                 </a:solidFill>
@@ -8133,7 +8262,7 @@
               <a:t>프로젝트 및 작업자 관리 </a:t>
             </a:r>
             <a:r>
-              <a:rPr lang="ko-KR" altLang="en-US" sz="1000" b="1" dirty="0">
+              <a:rPr lang="ko-KR" altLang="en-US" sz="1200" b="1" dirty="0">
                 <a:solidFill>
                   <a:schemeClr val="tx1"/>
                 </a:solidFill>
@@ -8141,14 +8270,14 @@
               <a:t>권한을 부여 받은 </a:t>
             </a:r>
             <a:r>
-              <a:rPr lang="ko-KR" altLang="en-US" sz="1000" b="1" dirty="0" smtClean="0">
+              <a:rPr lang="ko-KR" altLang="en-US" sz="1200" b="1" dirty="0" smtClean="0">
                 <a:solidFill>
                   <a:schemeClr val="tx1"/>
                 </a:solidFill>
               </a:rPr>
               <a:t>관리자</a:t>
             </a:r>
-            <a:endParaRPr lang="en-US" altLang="ko-KR" sz="1000" b="1" dirty="0">
+            <a:endParaRPr lang="en-US" altLang="ko-KR" sz="1200" b="1" dirty="0">
               <a:solidFill>
                 <a:schemeClr val="tx1"/>
               </a:solidFill>
@@ -8160,7 +8289,7 @@
               <a:buChar char="-"/>
             </a:pPr>
             <a:r>
-              <a:rPr lang="ko-KR" altLang="en-US" sz="1000" b="1" dirty="0" smtClean="0">
+              <a:rPr lang="ko-KR" altLang="en-US" sz="1200" b="1" dirty="0" smtClean="0">
                 <a:solidFill>
                   <a:schemeClr val="tx1"/>
                 </a:solidFill>
@@ -8168,7 +8297,7 @@
               <a:t>일정 관리자 </a:t>
             </a:r>
             <a:r>
-              <a:rPr lang="en-US" altLang="ko-KR" sz="1000" b="1" dirty="0" smtClean="0">
+              <a:rPr lang="en-US" altLang="ko-KR" sz="1200" b="1" dirty="0" smtClean="0">
                 <a:solidFill>
                   <a:schemeClr val="tx1"/>
                 </a:solidFill>
@@ -8176,7 +8305,7 @@
               <a:t>: </a:t>
             </a:r>
             <a:r>
-              <a:rPr lang="ko-KR" altLang="en-US" sz="1000" b="1" dirty="0" smtClean="0">
+              <a:rPr lang="ko-KR" altLang="en-US" sz="1200" b="1" dirty="0" smtClean="0">
                 <a:solidFill>
                   <a:schemeClr val="tx1"/>
                 </a:solidFill>
@@ -8184,7 +8313,7 @@
               <a:t>신청자들의 채용을 결정하는 역할</a:t>
             </a:r>
             <a:r>
-              <a:rPr lang="en-US" altLang="ko-KR" sz="1000" b="1" dirty="0" smtClean="0">
+              <a:rPr lang="en-US" altLang="ko-KR" sz="1200" b="1" dirty="0" smtClean="0">
                 <a:solidFill>
                   <a:schemeClr val="tx1"/>
                 </a:solidFill>
@@ -8192,30 +8321,46 @@
               <a:t>, </a:t>
             </a:r>
             <a:r>
-              <a:rPr lang="ko-KR" altLang="en-US" sz="1000" b="1" dirty="0" smtClean="0">
+              <a:rPr lang="ko-KR" altLang="en-US" sz="1200" b="1" dirty="0" smtClean="0">
                 <a:solidFill>
                   <a:schemeClr val="tx1"/>
                 </a:solidFill>
               </a:rPr>
-              <a:t>유일하게 신청자 정보</a:t>
-            </a:r>
-            <a:r>
-              <a:rPr lang="en-US" altLang="ko-KR" sz="1000" b="1" dirty="0" smtClean="0">
+              <a:t>유일하게 신청자 </a:t>
+            </a:r>
+            <a:r>
+              <a:rPr lang="ko-KR" altLang="en-US" sz="1200" b="1" dirty="0" smtClean="0">
                 <a:solidFill>
                   <a:schemeClr val="tx1"/>
                 </a:solidFill>
               </a:rPr>
-              <a:t>	</a:t>
-            </a:r>
-            <a:r>
-              <a:rPr lang="ko-KR" altLang="en-US" sz="1000" b="1" dirty="0" smtClean="0">
+              <a:t>정보</a:t>
+            </a:r>
+            <a:r>
+              <a:rPr lang="en-US" altLang="ko-KR" sz="1200" b="1" dirty="0">
                 <a:solidFill>
                   <a:schemeClr val="tx1"/>
                 </a:solidFill>
               </a:rPr>
-              <a:t>열람 가능</a:t>
-            </a:r>
-            <a:endParaRPr lang="en-US" altLang="ko-KR" sz="1000" b="1" dirty="0">
+              <a:t> </a:t>
+            </a:r>
+            <a:r>
+              <a:rPr lang="ko-KR" altLang="en-US" sz="1200" b="1" dirty="0" smtClean="0">
+                <a:solidFill>
+                  <a:schemeClr val="tx1"/>
+                </a:solidFill>
+              </a:rPr>
+              <a:t>열람 </a:t>
+            </a:r>
+            <a:r>
+              <a:rPr lang="ko-KR" altLang="en-US" sz="1200" b="1" dirty="0" smtClean="0">
+                <a:solidFill>
+                  <a:schemeClr val="tx1"/>
+                </a:solidFill>
+              </a:rPr>
+              <a:t>가능</a:t>
+            </a:r>
+            <a:endParaRPr lang="en-US" altLang="ko-KR" sz="1200" b="1" dirty="0">
               <a:solidFill>
                 <a:schemeClr val="tx1"/>
               </a:solidFill>
@@ -8227,7 +8372,7 @@
               <a:buChar char="-"/>
             </a:pPr>
             <a:r>
-              <a:rPr lang="ko-KR" altLang="en-US" sz="1000" b="1" dirty="0" smtClean="0">
+              <a:rPr lang="ko-KR" altLang="en-US" sz="1200" b="1" dirty="0" smtClean="0">
                 <a:solidFill>
                   <a:schemeClr val="tx1"/>
                 </a:solidFill>
@@ -8235,7 +8380,7 @@
               <a:t>녹음 작업자 </a:t>
             </a:r>
             <a:r>
-              <a:rPr lang="en-US" altLang="ko-KR" sz="1000" b="1" dirty="0">
+              <a:rPr lang="en-US" altLang="ko-KR" sz="1200" b="1" dirty="0">
                 <a:solidFill>
                   <a:schemeClr val="tx1"/>
                 </a:solidFill>
@@ -8243,7 +8388,7 @@
               <a:t>: </a:t>
             </a:r>
             <a:r>
-              <a:rPr lang="ko-KR" altLang="en-US" sz="1000" b="1" dirty="0" smtClean="0">
+              <a:rPr lang="ko-KR" altLang="en-US" sz="1200" b="1" dirty="0" smtClean="0">
                 <a:solidFill>
                   <a:schemeClr val="tx1"/>
                 </a:solidFill>
@@ -8251,7 +8396,7 @@
               <a:t>녹음 데이터 취득 작업자</a:t>
             </a:r>
             <a:r>
-              <a:rPr lang="en-US" altLang="ko-KR" sz="1000" b="1" dirty="0" smtClean="0">
+              <a:rPr lang="en-US" altLang="ko-KR" sz="1200" b="1" dirty="0" smtClean="0">
                 <a:solidFill>
                   <a:schemeClr val="tx1"/>
                 </a:solidFill>
@@ -8259,116 +8404,34 @@
               <a:t>. </a:t>
             </a:r>
             <a:r>
-              <a:rPr lang="ko-KR" altLang="en-US" sz="1000" b="1" dirty="0" smtClean="0">
+              <a:rPr lang="ko-KR" altLang="en-US" sz="1200" b="1" dirty="0" smtClean="0">
                 <a:solidFill>
                   <a:schemeClr val="tx1"/>
                 </a:solidFill>
               </a:rPr>
-              <a:t>취득 파일을 업로드 한다</a:t>
-            </a:r>
-            <a:r>
-              <a:rPr lang="en-US" altLang="ko-KR" sz="1000" b="1" dirty="0" smtClean="0">
+              <a:t>취득 파일을 업로드 </a:t>
+            </a:r>
+            <a:r>
+              <a:rPr lang="ko-KR" altLang="en-US" sz="1200" b="1" dirty="0" smtClean="0">
                 <a:solidFill>
                   <a:schemeClr val="tx1"/>
                 </a:solidFill>
               </a:rPr>
+              <a:t>하는 역할</a:t>
+            </a:r>
+            <a:r>
+              <a:rPr lang="en-US" altLang="ko-KR" sz="1200" b="1" dirty="0" smtClean="0">
+                <a:solidFill>
+                  <a:schemeClr val="tx1"/>
+                </a:solidFill>
+              </a:rPr>
               <a:t>.</a:t>
             </a:r>
-            <a:endParaRPr lang="ko-KR" altLang="en-US" sz="1000" b="1" dirty="0">
+            <a:endParaRPr lang="ko-KR" altLang="en-US" sz="1200" b="1" dirty="0">
               <a:solidFill>
                 <a:schemeClr val="tx1"/>
               </a:solidFill>
             </a:endParaRPr>
-          </a:p>
-        </p:txBody>
-      </p:sp>
-      <p:sp>
-        <p:nvSpPr>
-          <p:cNvPr id="15" name="TextBox 14"/>
-          <p:cNvSpPr txBox="1"/>
-          <p:nvPr/>
-        </p:nvSpPr>
-        <p:spPr>
-          <a:xfrm>
-            <a:off x="1639182" y="1074999"/>
-            <a:ext cx="864096" cy="215444"/>
-          </a:xfrm>
-          <a:prstGeom prst="rect">
-            <a:avLst/>
-          </a:prstGeom>
-          <a:noFill/>
-        </p:spPr>
-        <p:txBody>
-          <a:bodyPr wrap="square" rtlCol="0">
-            <a:spAutoFit/>
-          </a:bodyPr>
-          <a:lstStyle/>
-          <a:p>
-            <a:r>
-              <a:rPr lang="ko-KR" altLang="en-US" sz="800" dirty="0" smtClean="0"/>
-              <a:t>프로젝트 횟수</a:t>
-            </a:r>
-            <a:endParaRPr lang="ko-KR" altLang="en-US" sz="800" dirty="0"/>
-          </a:p>
-        </p:txBody>
-      </p:sp>
-      <p:sp>
-        <p:nvSpPr>
-          <p:cNvPr id="30" name="TextBox 29"/>
-          <p:cNvSpPr txBox="1"/>
-          <p:nvPr/>
-        </p:nvSpPr>
-        <p:spPr>
-          <a:xfrm>
-            <a:off x="3683213" y="1097036"/>
-            <a:ext cx="864096" cy="215444"/>
-          </a:xfrm>
-          <a:prstGeom prst="rect">
-            <a:avLst/>
-          </a:prstGeom>
-          <a:noFill/>
-        </p:spPr>
-        <p:txBody>
-          <a:bodyPr wrap="square" rtlCol="0">
-            <a:spAutoFit/>
-          </a:bodyPr>
-          <a:lstStyle/>
-          <a:p>
-            <a:r>
-              <a:rPr lang="ko-KR" altLang="en-US" sz="800" dirty="0" smtClean="0"/>
-              <a:t>프로젝트 횟수</a:t>
-            </a:r>
-            <a:endParaRPr lang="ko-KR" altLang="en-US" sz="800" dirty="0"/>
-          </a:p>
-        </p:txBody>
-      </p:sp>
-      <p:sp>
-        <p:nvSpPr>
-          <p:cNvPr id="31" name="TextBox 30"/>
-          <p:cNvSpPr txBox="1"/>
-          <p:nvPr/>
-        </p:nvSpPr>
-        <p:spPr>
-          <a:xfrm>
-            <a:off x="5727244" y="1047562"/>
-            <a:ext cx="864096" cy="215444"/>
-          </a:xfrm>
-          <a:prstGeom prst="rect">
-            <a:avLst/>
-          </a:prstGeom>
-          <a:noFill/>
-        </p:spPr>
-        <p:txBody>
-          <a:bodyPr wrap="square" rtlCol="0">
-            <a:spAutoFit/>
-          </a:bodyPr>
-          <a:lstStyle/>
-          <a:p>
-            <a:r>
-              <a:rPr lang="ko-KR" altLang="en-US" sz="800" dirty="0" smtClean="0"/>
-              <a:t>프로젝트 횟수</a:t>
-            </a:r>
-            <a:endParaRPr lang="ko-KR" altLang="en-US" sz="800" dirty="0"/>
           </a:p>
         </p:txBody>
       </p:sp>
@@ -9004,7 +9067,7 @@
         </p:nvSpPr>
         <p:spPr>
           <a:xfrm>
-            <a:off x="2919225" y="1995430"/>
+            <a:off x="2831372" y="2198535"/>
             <a:ext cx="756084" cy="178739"/>
           </a:xfrm>
           <a:prstGeom prst="ellipse">
@@ -9060,7 +9123,7 @@
         </p:nvSpPr>
         <p:spPr>
           <a:xfrm>
-            <a:off x="4241589" y="1853702"/>
+            <a:off x="4225546" y="1555824"/>
             <a:ext cx="756084" cy="178739"/>
           </a:xfrm>
           <a:prstGeom prst="ellipse">
@@ -9116,7 +9179,7 @@
         </p:nvSpPr>
         <p:spPr>
           <a:xfrm>
-            <a:off x="2899278" y="2318651"/>
+            <a:off x="2855749" y="2655952"/>
             <a:ext cx="756084" cy="178739"/>
           </a:xfrm>
           <a:prstGeom prst="ellipse">
@@ -9166,14 +9229,14 @@
       </p:sp>
       <p:sp>
         <p:nvSpPr>
-          <p:cNvPr id="44" name="타원 43"/>
+          <p:cNvPr id="50" name="타원 49"/>
           <p:cNvSpPr/>
           <p:nvPr/>
         </p:nvSpPr>
         <p:spPr>
           <a:xfrm>
-            <a:off x="4525208" y="1558038"/>
-            <a:ext cx="756084" cy="178739"/>
+            <a:off x="5306200" y="3224656"/>
+            <a:ext cx="972108" cy="285997"/>
           </a:xfrm>
           <a:prstGeom prst="ellipse">
             <a:avLst/>
@@ -9214,65 +9277,19 @@
           <a:p>
             <a:pPr algn="ctr"/>
             <a:r>
-              <a:rPr lang="ko-KR" altLang="en-US" sz="1000" b="1" dirty="0" err="1"/>
-              <a:t>비번찾기</a:t>
-            </a:r>
-            <a:endParaRPr lang="ko-KR" altLang="en-US" sz="1000" b="1" dirty="0"/>
-          </a:p>
-        </p:txBody>
-      </p:sp>
-      <p:sp>
-        <p:nvSpPr>
-          <p:cNvPr id="50" name="타원 49"/>
-          <p:cNvSpPr/>
-          <p:nvPr/>
-        </p:nvSpPr>
-        <p:spPr>
-          <a:xfrm>
-            <a:off x="5436096" y="3763642"/>
-            <a:ext cx="972108" cy="178739"/>
-          </a:xfrm>
-          <a:prstGeom prst="ellipse">
-            <a:avLst/>
-          </a:prstGeom>
-          <a:solidFill>
-            <a:srgbClr val="987C4D"/>
-          </a:solidFill>
-          <a:ln>
-            <a:solidFill>
-              <a:srgbClr val="987C4D"/>
-            </a:solidFill>
-          </a:ln>
-        </p:spPr>
-        <p:style>
-          <a:lnRef idx="2">
-            <a:schemeClr val="accent1">
-              <a:shade val="50000"/>
-            </a:schemeClr>
-          </a:lnRef>
-          <a:fillRef idx="1">
-            <a:schemeClr val="accent1"/>
-          </a:fillRef>
-          <a:effectRef idx="0">
-            <a:schemeClr val="accent1"/>
-          </a:effectRef>
-          <a:fontRef idx="minor">
-            <a:schemeClr val="lt1"/>
-          </a:fontRef>
-        </p:style>
-        <p:txBody>
-          <a:bodyPr rot="0" spcFirstLastPara="0" vertOverflow="overflow" horzOverflow="overflow" vert="horz" wrap="square" lIns="0" tIns="0" rIns="0" bIns="0" numCol="1" spcCol="0" rtlCol="0" fromWordArt="0" anchor="ctr" anchorCtr="0" forceAA="0" compatLnSpc="1">
-            <a:prstTxWarp prst="textNoShape">
-              <a:avLst/>
-            </a:prstTxWarp>
-            <a:noAutofit/>
-          </a:bodyPr>
-          <a:lstStyle/>
-          <a:p>
-            <a:pPr algn="ctr"/>
-            <a:r>
-              <a:rPr lang="ko-KR" altLang="en-US" sz="1000" b="1" dirty="0" err="1" smtClean="0"/>
-              <a:t>작업자등록</a:t>
+              <a:rPr lang="ko-KR" altLang="en-US" sz="1000" b="1" dirty="0" smtClean="0"/>
+              <a:t>작업자</a:t>
+            </a:r>
+            <a:r>
+              <a:rPr lang="en-US" altLang="ko-KR" sz="1000" b="1" dirty="0" smtClean="0"/>
+              <a:t/>
+            </a:r>
+            <a:br>
+              <a:rPr lang="en-US" altLang="ko-KR" sz="1000" b="1" dirty="0" smtClean="0"/>
+            </a:br>
+            <a:r>
+              <a:rPr lang="ko-KR" altLang="en-US" sz="1000" b="1" dirty="0" smtClean="0"/>
+              <a:t>등록</a:t>
             </a:r>
             <a:endParaRPr lang="ko-KR" altLang="en-US" sz="1000" b="1" dirty="0"/>
           </a:p>
@@ -9341,81 +9358,13 @@
       </p:sp>
       <p:sp>
         <p:nvSpPr>
-          <p:cNvPr id="58" name="타원 57"/>
-          <p:cNvSpPr/>
-          <p:nvPr/>
-        </p:nvSpPr>
-        <p:spPr>
-          <a:xfrm>
-            <a:off x="2911223" y="2599554"/>
-            <a:ext cx="756084" cy="320069"/>
-          </a:xfrm>
-          <a:prstGeom prst="ellipse">
-            <a:avLst/>
-          </a:prstGeom>
-          <a:solidFill>
-            <a:srgbClr val="987C4D"/>
-          </a:solidFill>
-          <a:ln>
-            <a:solidFill>
-              <a:srgbClr val="987C4D"/>
-            </a:solidFill>
-          </a:ln>
-        </p:spPr>
-        <p:style>
-          <a:lnRef idx="2">
-            <a:schemeClr val="accent1">
-              <a:shade val="50000"/>
-            </a:schemeClr>
-          </a:lnRef>
-          <a:fillRef idx="1">
-            <a:schemeClr val="accent1"/>
-          </a:fillRef>
-          <a:effectRef idx="0">
-            <a:schemeClr val="accent1"/>
-          </a:effectRef>
-          <a:fontRef idx="minor">
-            <a:schemeClr val="lt1"/>
-          </a:fontRef>
-        </p:style>
-        <p:txBody>
-          <a:bodyPr rot="0" spcFirstLastPara="0" vertOverflow="overflow" horzOverflow="overflow" vert="horz" wrap="square" lIns="0" tIns="0" rIns="0" bIns="0" numCol="1" spcCol="0" rtlCol="0" fromWordArt="0" anchor="ctr" anchorCtr="0" forceAA="0" compatLnSpc="1">
-            <a:prstTxWarp prst="textNoShape">
-              <a:avLst/>
-            </a:prstTxWarp>
-            <a:noAutofit/>
-          </a:bodyPr>
-          <a:lstStyle/>
-          <a:p>
-            <a:pPr algn="ctr"/>
-            <a:r>
-              <a:rPr lang="ko-KR" altLang="en-US" sz="1000" b="1" dirty="0" smtClean="0"/>
-              <a:t>활동 </a:t>
-            </a:r>
-            <a:r>
-              <a:rPr lang="en-US" altLang="ko-KR" sz="1000" b="1" dirty="0" smtClean="0"/>
-              <a:t/>
-            </a:r>
-            <a:br>
-              <a:rPr lang="en-US" altLang="ko-KR" sz="1000" b="1" dirty="0" smtClean="0"/>
-            </a:br>
-            <a:r>
-              <a:rPr lang="ko-KR" altLang="en-US" sz="1000" b="1" dirty="0" smtClean="0"/>
-              <a:t>내역</a:t>
-            </a:r>
-            <a:endParaRPr lang="ko-KR" altLang="en-US" sz="1000" b="1" dirty="0"/>
-          </a:p>
-        </p:txBody>
-      </p:sp>
-      <p:sp>
-        <p:nvSpPr>
           <p:cNvPr id="47" name="타원 46"/>
           <p:cNvSpPr/>
           <p:nvPr/>
         </p:nvSpPr>
         <p:spPr>
           <a:xfrm>
-            <a:off x="2030519" y="3352190"/>
+            <a:off x="2987727" y="3539413"/>
             <a:ext cx="771412" cy="280977"/>
           </a:xfrm>
           <a:prstGeom prst="ellipse">
@@ -9472,7 +9421,7 @@
         </p:nvSpPr>
         <p:spPr>
           <a:xfrm>
-            <a:off x="3199441" y="3339797"/>
+            <a:off x="2972869" y="2970657"/>
             <a:ext cx="777007" cy="285424"/>
           </a:xfrm>
           <a:prstGeom prst="ellipse">
@@ -9529,8 +9478,8 @@
         </p:nvSpPr>
         <p:spPr>
           <a:xfrm>
-            <a:off x="3216070" y="4139563"/>
-            <a:ext cx="733334" cy="315018"/>
+            <a:off x="1979712" y="4214174"/>
+            <a:ext cx="800384" cy="315018"/>
           </a:xfrm>
           <a:prstGeom prst="ellipse">
             <a:avLst/>
@@ -9572,7 +9521,18 @@
             <a:pPr algn="ctr"/>
             <a:r>
               <a:rPr lang="ko-KR" altLang="en-US" sz="1000" b="1" dirty="0" smtClean="0"/>
-              <a:t>프로젝트 접수</a:t>
+              <a:t>신청자 </a:t>
+            </a:r>
+            <a:r>
+              <a:rPr lang="en-US" altLang="ko-KR" sz="1000" b="1" dirty="0" smtClean="0"/>
+              <a:t/>
+            </a:r>
+            <a:br>
+              <a:rPr lang="en-US" altLang="ko-KR" sz="1000" b="1" dirty="0" smtClean="0"/>
+            </a:br>
+            <a:r>
+              <a:rPr lang="ko-KR" altLang="en-US" sz="1000" b="1" dirty="0" smtClean="0"/>
+              <a:t>배치</a:t>
             </a:r>
             <a:endParaRPr lang="ko-KR" altLang="en-US" sz="1000" b="1" dirty="0"/>
           </a:p>
@@ -9693,8 +9653,8 @@
         </p:nvSpPr>
         <p:spPr>
           <a:xfrm>
-            <a:off x="5423085" y="4162752"/>
-            <a:ext cx="972108" cy="178739"/>
+            <a:off x="5316568" y="3750435"/>
+            <a:ext cx="972108" cy="288425"/>
           </a:xfrm>
           <a:prstGeom prst="ellipse">
             <a:avLst/>
@@ -9735,8 +9695,19 @@
           <a:p>
             <a:pPr algn="ctr"/>
             <a:r>
-              <a:rPr lang="ko-KR" altLang="en-US" sz="1000" b="1" dirty="0" err="1" smtClean="0"/>
-              <a:t>작업자삭제</a:t>
+              <a:rPr lang="ko-KR" altLang="en-US" sz="1000" b="1" dirty="0" smtClean="0"/>
+              <a:t>작업자</a:t>
+            </a:r>
+            <a:r>
+              <a:rPr lang="en-US" altLang="ko-KR" sz="1000" b="1" dirty="0" smtClean="0"/>
+              <a:t/>
+            </a:r>
+            <a:br>
+              <a:rPr lang="en-US" altLang="ko-KR" sz="1000" b="1" dirty="0" smtClean="0"/>
+            </a:br>
+            <a:r>
+              <a:rPr lang="ko-KR" altLang="en-US" sz="1000" b="1" dirty="0" smtClean="0"/>
+              <a:t>삭제</a:t>
             </a:r>
             <a:endParaRPr lang="ko-KR" altLang="en-US" sz="1000" b="1" dirty="0"/>
           </a:p>
@@ -10268,7 +10239,7 @@
         </p:nvSpPr>
         <p:spPr>
           <a:xfrm>
-            <a:off x="2054037" y="4139563"/>
+            <a:off x="3006766" y="4191871"/>
             <a:ext cx="733334" cy="315018"/>
           </a:xfrm>
           <a:prstGeom prst="ellipse">
@@ -10791,9 +10762,9 @@
           <p:nvPr/>
         </p:nvCxnSpPr>
         <p:spPr>
-          <a:xfrm flipV="1">
-            <a:off x="6408204" y="3768577"/>
-            <a:ext cx="1568082" cy="84435"/>
+          <a:xfrm>
+            <a:off x="6278308" y="3367655"/>
+            <a:ext cx="1697978" cy="400922"/>
           </a:xfrm>
           <a:prstGeom prst="line">
             <a:avLst/>
@@ -10828,44 +10799,8 @@
         </p:nvCxnSpPr>
         <p:spPr>
           <a:xfrm flipV="1">
-            <a:off x="6395193" y="3768577"/>
-            <a:ext cx="1581093" cy="483545"/>
-          </a:xfrm>
-          <a:prstGeom prst="line">
-            <a:avLst/>
-          </a:prstGeom>
-          <a:ln>
-            <a:tailEnd type="none"/>
-          </a:ln>
-        </p:spPr>
-        <p:style>
-          <a:lnRef idx="1">
-            <a:schemeClr val="accent6"/>
-          </a:lnRef>
-          <a:fillRef idx="0">
-            <a:schemeClr val="accent6"/>
-          </a:fillRef>
-          <a:effectRef idx="0">
-            <a:schemeClr val="accent6"/>
-          </a:effectRef>
-          <a:fontRef idx="minor">
-            <a:schemeClr val="tx1"/>
-          </a:fontRef>
-        </p:style>
-      </p:cxnSp>
-      <p:cxnSp>
-        <p:nvCxnSpPr>
-          <p:cNvPr id="163" name="직선 연결선 162"/>
-          <p:cNvCxnSpPr>
-            <a:stCxn id="44" idx="6"/>
-            <a:endCxn id="32" idx="1"/>
-          </p:cNvCxnSpPr>
-          <p:nvPr/>
-        </p:nvCxnSpPr>
-        <p:spPr>
-          <a:xfrm>
-            <a:off x="5281292" y="1647408"/>
-            <a:ext cx="2694994" cy="2121169"/>
+            <a:off x="6288676" y="3768577"/>
+            <a:ext cx="1687610" cy="126071"/>
           </a:xfrm>
           <a:prstGeom prst="line">
             <a:avLst/>
@@ -10900,8 +10835,8 @@
         </p:nvCxnSpPr>
         <p:spPr>
           <a:xfrm>
-            <a:off x="4997673" y="1943072"/>
-            <a:ext cx="2978613" cy="1825505"/>
+            <a:off x="4981630" y="1645194"/>
+            <a:ext cx="2994656" cy="2123383"/>
           </a:xfrm>
           <a:prstGeom prst="line">
             <a:avLst/>
@@ -11244,14 +11179,14 @@
           <p:cNvPr id="193" name="직선 연결선 192"/>
           <p:cNvCxnSpPr>
             <a:stCxn id="16" idx="3"/>
-            <a:endCxn id="47" idx="2"/>
+            <a:endCxn id="49" idx="2"/>
           </p:cNvCxnSpPr>
           <p:nvPr/>
         </p:nvCxnSpPr>
         <p:spPr>
           <a:xfrm>
             <a:off x="1410567" y="1915645"/>
-            <a:ext cx="619952" cy="1577034"/>
+            <a:ext cx="1562302" cy="1197724"/>
           </a:xfrm>
           <a:prstGeom prst="line">
             <a:avLst/>
@@ -11287,7 +11222,7 @@
         <p:spPr>
           <a:xfrm>
             <a:off x="1410567" y="1915645"/>
-            <a:ext cx="1508658" cy="169155"/>
+            <a:ext cx="1420805" cy="372260"/>
           </a:xfrm>
           <a:prstGeom prst="line">
             <a:avLst/>
@@ -11323,43 +11258,7 @@
         <p:spPr>
           <a:xfrm>
             <a:off x="1410567" y="1915645"/>
-            <a:ext cx="1488711" cy="492376"/>
-          </a:xfrm>
-          <a:prstGeom prst="line">
-            <a:avLst/>
-          </a:prstGeom>
-          <a:ln>
-            <a:tailEnd type="none"/>
-          </a:ln>
-        </p:spPr>
-        <p:style>
-          <a:lnRef idx="1">
-            <a:schemeClr val="accent6"/>
-          </a:lnRef>
-          <a:fillRef idx="0">
-            <a:schemeClr val="accent6"/>
-          </a:fillRef>
-          <a:effectRef idx="0">
-            <a:schemeClr val="accent6"/>
-          </a:effectRef>
-          <a:fontRef idx="minor">
-            <a:schemeClr val="tx1"/>
-          </a:fontRef>
-        </p:style>
-      </p:cxnSp>
-      <p:cxnSp>
-        <p:nvCxnSpPr>
-          <p:cNvPr id="206" name="직선 연결선 205"/>
-          <p:cNvCxnSpPr>
-            <a:stCxn id="16" idx="3"/>
-            <a:endCxn id="58" idx="2"/>
-          </p:cNvCxnSpPr>
-          <p:nvPr/>
-        </p:nvCxnSpPr>
-        <p:spPr>
-          <a:xfrm>
-            <a:off x="1410567" y="1915645"/>
-            <a:ext cx="1500656" cy="843944"/>
+            <a:ext cx="1445182" cy="829677"/>
           </a:xfrm>
           <a:prstGeom prst="line">
             <a:avLst/>
@@ -11460,50 +11359,14 @@
           <p:cNvPr id="250" name="직선 연결선 249"/>
           <p:cNvCxnSpPr>
             <a:stCxn id="114" idx="3"/>
-            <a:endCxn id="47" idx="3"/>
+            <a:endCxn id="52" idx="2"/>
           </p:cNvCxnSpPr>
           <p:nvPr/>
         </p:nvCxnSpPr>
         <p:spPr>
-          <a:xfrm flipV="1">
-            <a:off x="1508684" y="3592019"/>
-            <a:ext cx="634806" cy="446841"/>
-          </a:xfrm>
-          <a:prstGeom prst="line">
-            <a:avLst/>
-          </a:prstGeom>
-          <a:ln>
-            <a:tailEnd type="none"/>
-          </a:ln>
-        </p:spPr>
-        <p:style>
-          <a:lnRef idx="1">
-            <a:schemeClr val="accent6"/>
-          </a:lnRef>
-          <a:fillRef idx="0">
-            <a:schemeClr val="accent6"/>
-          </a:fillRef>
-          <a:effectRef idx="0">
-            <a:schemeClr val="accent6"/>
-          </a:effectRef>
-          <a:fontRef idx="minor">
-            <a:schemeClr val="tx1"/>
-          </a:fontRef>
-        </p:style>
-      </p:cxnSp>
-      <p:cxnSp>
-        <p:nvCxnSpPr>
-          <p:cNvPr id="263" name="직선 연결선 262"/>
-          <p:cNvCxnSpPr>
-            <a:stCxn id="16" idx="3"/>
-            <a:endCxn id="44" idx="2"/>
-          </p:cNvCxnSpPr>
-          <p:nvPr/>
-        </p:nvCxnSpPr>
-        <p:spPr>
-          <a:xfrm flipV="1">
-            <a:off x="1410567" y="1647408"/>
-            <a:ext cx="3114641" cy="268237"/>
+          <a:xfrm>
+            <a:off x="1508684" y="4038860"/>
+            <a:ext cx="471028" cy="332823"/>
           </a:xfrm>
           <a:prstGeom prst="line">
             <a:avLst/>
@@ -11537,9 +11400,9 @@
           <p:nvPr/>
         </p:nvCxnSpPr>
         <p:spPr>
-          <a:xfrm>
-            <a:off x="1410567" y="1915645"/>
-            <a:ext cx="2831022" cy="27427"/>
+          <a:xfrm flipV="1">
+            <a:off x="1410567" y="1645194"/>
+            <a:ext cx="2814979" cy="270451"/>
           </a:xfrm>
           <a:prstGeom prst="line">
             <a:avLst/>
@@ -11567,15 +11430,15 @@
         <p:nvCxnSpPr>
           <p:cNvPr id="280" name="직선 화살표 연결선 279"/>
           <p:cNvCxnSpPr>
-            <a:stCxn id="47" idx="6"/>
-            <a:endCxn id="49" idx="2"/>
+            <a:stCxn id="47" idx="0"/>
+            <a:endCxn id="49" idx="4"/>
           </p:cNvCxnSpPr>
           <p:nvPr/>
         </p:nvCxnSpPr>
         <p:spPr>
-          <a:xfrm flipV="1">
-            <a:off x="2801931" y="3482509"/>
-            <a:ext cx="397510" cy="10170"/>
+          <a:xfrm flipH="1" flipV="1">
+            <a:off x="3361373" y="3256081"/>
+            <a:ext cx="12060" cy="283332"/>
           </a:xfrm>
           <a:prstGeom prst="straightConnector1">
             <a:avLst/>
@@ -11617,8 +11480,8 @@
         </p:nvCxnSpPr>
         <p:spPr>
           <a:xfrm>
-            <a:off x="2416225" y="3633167"/>
-            <a:ext cx="4479" cy="506396"/>
+            <a:off x="3373433" y="3820390"/>
+            <a:ext cx="0" cy="371481"/>
           </a:xfrm>
           <a:prstGeom prst="straightConnector1">
             <a:avLst/>
@@ -11653,15 +11516,15 @@
         <p:nvCxnSpPr>
           <p:cNvPr id="294" name="직선 화살표 연결선 293"/>
           <p:cNvCxnSpPr>
-            <a:stCxn id="121" idx="6"/>
-            <a:endCxn id="52" idx="2"/>
+            <a:stCxn id="121" idx="2"/>
+            <a:endCxn id="52" idx="6"/>
           </p:cNvCxnSpPr>
           <p:nvPr/>
         </p:nvCxnSpPr>
         <p:spPr>
-          <a:xfrm>
-            <a:off x="2787371" y="4297072"/>
-            <a:ext cx="428699" cy="0"/>
+          <a:xfrm flipH="1">
+            <a:off x="2780096" y="4349380"/>
+            <a:ext cx="226670" cy="22303"/>
           </a:xfrm>
           <a:prstGeom prst="straightConnector1">
             <a:avLst/>
@@ -11700,7 +11563,7 @@
         </p:nvSpPr>
         <p:spPr>
           <a:xfrm>
-            <a:off x="5318759" y="3003798"/>
+            <a:off x="4006771" y="4062303"/>
             <a:ext cx="1063086" cy="466889"/>
           </a:xfrm>
           <a:prstGeom prst="ellipse">
@@ -11786,9 +11649,156 @@
           <p:nvPr/>
         </p:nvCxnSpPr>
         <p:spPr>
+          <a:xfrm flipV="1">
+            <a:off x="5069857" y="3768577"/>
+            <a:ext cx="2906429" cy="527171"/>
+          </a:xfrm>
+          <a:prstGeom prst="line">
+            <a:avLst/>
+          </a:prstGeom>
+          <a:ln>
+            <a:tailEnd type="none"/>
+          </a:ln>
+        </p:spPr>
+        <p:style>
+          <a:lnRef idx="1">
+            <a:schemeClr val="accent6"/>
+          </a:lnRef>
+          <a:fillRef idx="0">
+            <a:schemeClr val="accent6"/>
+          </a:fillRef>
+          <a:effectRef idx="0">
+            <a:schemeClr val="accent6"/>
+          </a:effectRef>
+          <a:fontRef idx="minor">
+            <a:schemeClr val="tx1"/>
+          </a:fontRef>
+        </p:style>
+      </p:cxnSp>
+      <p:cxnSp>
+        <p:nvCxnSpPr>
+          <p:cNvPr id="126" name="직선 화살표 연결선 125"/>
+          <p:cNvCxnSpPr>
+            <a:stCxn id="47" idx="6"/>
+            <a:endCxn id="307" idx="1"/>
+          </p:cNvCxnSpPr>
+          <p:nvPr/>
+        </p:nvCxnSpPr>
+        <p:spPr>
           <a:xfrm>
-            <a:off x="6381845" y="3237243"/>
-            <a:ext cx="1594441" cy="531334"/>
+            <a:off x="3759139" y="3679902"/>
+            <a:ext cx="403317" cy="450775"/>
+          </a:xfrm>
+          <a:prstGeom prst="straightConnector1">
+            <a:avLst/>
+          </a:prstGeom>
+          <a:ln w="12700">
+            <a:solidFill>
+              <a:schemeClr val="accent6">
+                <a:lumMod val="75000"/>
+              </a:schemeClr>
+            </a:solidFill>
+            <a:prstDash val="dash"/>
+            <a:headEnd type="arrow"/>
+            <a:tailEnd type="none"/>
+          </a:ln>
+        </p:spPr>
+        <p:style>
+          <a:lnRef idx="1">
+            <a:schemeClr val="accent1"/>
+          </a:lnRef>
+          <a:fillRef idx="0">
+            <a:schemeClr val="accent1"/>
+          </a:fillRef>
+          <a:effectRef idx="0">
+            <a:schemeClr val="accent1"/>
+          </a:effectRef>
+          <a:fontRef idx="minor">
+            <a:schemeClr val="tx1"/>
+          </a:fontRef>
+        </p:style>
+      </p:cxnSp>
+      <p:sp>
+        <p:nvSpPr>
+          <p:cNvPr id="153" name="타원 152"/>
+          <p:cNvSpPr/>
+          <p:nvPr/>
+        </p:nvSpPr>
+        <p:spPr>
+          <a:xfrm>
+            <a:off x="5362639" y="4249735"/>
+            <a:ext cx="972108" cy="346165"/>
+          </a:xfrm>
+          <a:prstGeom prst="ellipse">
+            <a:avLst/>
+          </a:prstGeom>
+          <a:solidFill>
+            <a:srgbClr val="987C4D"/>
+          </a:solidFill>
+          <a:ln>
+            <a:solidFill>
+              <a:srgbClr val="987C4D"/>
+            </a:solidFill>
+          </a:ln>
+        </p:spPr>
+        <p:style>
+          <a:lnRef idx="2">
+            <a:schemeClr val="accent1">
+              <a:shade val="50000"/>
+            </a:schemeClr>
+          </a:lnRef>
+          <a:fillRef idx="1">
+            <a:schemeClr val="accent1"/>
+          </a:fillRef>
+          <a:effectRef idx="0">
+            <a:schemeClr val="accent1"/>
+          </a:effectRef>
+          <a:fontRef idx="minor">
+            <a:schemeClr val="lt1"/>
+          </a:fontRef>
+        </p:style>
+        <p:txBody>
+          <a:bodyPr rot="0" spcFirstLastPara="0" vertOverflow="overflow" horzOverflow="overflow" vert="horz" wrap="square" lIns="0" tIns="0" rIns="0" bIns="0" numCol="1" spcCol="0" rtlCol="0" fromWordArt="0" anchor="ctr" anchorCtr="0" forceAA="0" compatLnSpc="1">
+            <a:prstTxWarp prst="textNoShape">
+              <a:avLst/>
+            </a:prstTxWarp>
+            <a:noAutofit/>
+          </a:bodyPr>
+          <a:lstStyle/>
+          <a:p>
+            <a:pPr algn="ctr"/>
+            <a:r>
+              <a:rPr lang="ko-KR" altLang="en-US" sz="1000" b="1" dirty="0" smtClean="0"/>
+              <a:t>작업자</a:t>
+            </a:r>
+            <a:r>
+              <a:rPr lang="en-US" altLang="ko-KR" sz="1000" b="1" dirty="0" smtClean="0"/>
+              <a:t/>
+            </a:r>
+            <a:br>
+              <a:rPr lang="en-US" altLang="ko-KR" sz="1000" b="1" dirty="0" smtClean="0"/>
+            </a:br>
+            <a:r>
+              <a:rPr lang="ko-KR" altLang="en-US" sz="1000" b="1" dirty="0" smtClean="0"/>
+              <a:t>배치</a:t>
+            </a:r>
+            <a:endParaRPr lang="ko-KR" altLang="en-US" sz="1000" b="1" dirty="0"/>
+          </a:p>
+        </p:txBody>
+      </p:sp>
+      <p:cxnSp>
+        <p:nvCxnSpPr>
+          <p:cNvPr id="154" name="직선 연결선 153"/>
+          <p:cNvCxnSpPr>
+            <a:stCxn id="153" idx="6"/>
+            <a:endCxn id="32" idx="1"/>
+          </p:cNvCxnSpPr>
+          <p:nvPr/>
+        </p:nvCxnSpPr>
+        <p:spPr>
+          <a:xfrm flipV="1">
+            <a:off x="6334747" y="3768577"/>
+            <a:ext cx="1641539" cy="654241"/>
           </a:xfrm>
           <a:prstGeom prst="line">
             <a:avLst/>
@@ -21450,7 +21460,7 @@
           <p:nvPr>
             <p:extLst>
               <p:ext uri="{D42A27DB-BD31-4B8C-83A1-F6EECF244321}">
-                <p14:modId xmlns:p14="http://schemas.microsoft.com/office/powerpoint/2010/main" val="3498071156"/>
+                <p14:modId xmlns:p14="http://schemas.microsoft.com/office/powerpoint/2010/main" val="3350728887"/>
               </p:ext>
             </p:extLst>
           </p:nvPr>
@@ -26092,7 +26102,7 @@
                           <a:latin typeface="+mn-ea"/>
                           <a:ea typeface="+mn-ea"/>
                         </a:rPr>
-                        <a:t>상세보기</a:t>
+                        <a:t>리스트 보기</a:t>
                       </a:r>
                       <a:endParaRPr lang="ko-KR" altLang="en-US" sz="700" b="0" i="0" u="none" strike="noStrike" dirty="0">
                         <a:solidFill>
@@ -26694,40 +26704,7 @@
                           <a:latin typeface="+mn-ea"/>
                           <a:ea typeface="+mn-ea"/>
                         </a:rPr>
-                        <a:t>프로젝트에 </a:t>
-                      </a:r>
-                      <a:r>
-                        <a:rPr lang="ko-KR" altLang="en-US" sz="700" b="0" i="0" u="none" strike="noStrike" dirty="0" smtClean="0">
-                          <a:solidFill>
-                            <a:srgbClr val="3F3F48"/>
-                          </a:solidFill>
-                          <a:effectLst/>
-                          <a:latin typeface="+mn-ea"/>
-                          <a:ea typeface="+mn-ea"/>
-                        </a:rPr>
-                        <a:t>등록된 녹음 </a:t>
-                      </a:r>
-                      <a:r>
-                        <a:rPr lang="ko-KR" altLang="en-US" sz="700" b="0" i="0" u="none" strike="noStrike" dirty="0" smtClean="0">
-                          <a:solidFill>
-                            <a:srgbClr val="3F3F48"/>
-                          </a:solidFill>
-                          <a:effectLst/>
-                          <a:latin typeface="+mn-ea"/>
-                          <a:ea typeface="+mn-ea"/>
-                        </a:rPr>
-                        <a:t>작업자를 </a:t>
-                      </a:r>
-                      <a:r>
-                        <a:rPr lang="ko-KR" altLang="en-US" sz="700" b="0" i="0" u="none" strike="noStrike" dirty="0" smtClean="0">
-                          <a:solidFill>
-                            <a:srgbClr val="3F3F48"/>
-                          </a:solidFill>
-                          <a:effectLst/>
-                          <a:latin typeface="+mn-ea"/>
-                          <a:ea typeface="+mn-ea"/>
-                        </a:rPr>
-                        <a:t>퇴출</a:t>
+                        <a:t>프로젝트에 등록된 녹음 작업자를 퇴출</a:t>
                       </a:r>
                       <a:endParaRPr lang="en-US" altLang="ko-KR" sz="700" b="0" i="0" u="none" strike="noStrike" dirty="0">
                         <a:solidFill>
@@ -28405,7 +28382,11 @@
                       <a:pPr algn="ctr" latinLnBrk="1"/>
                       <a:r>
                         <a:rPr lang="ko-KR" altLang="en-US" sz="700" dirty="0" smtClean="0"/>
-                        <a:t>신청자 등록</a:t>
+                        <a:t>신청자 </a:t>
+                      </a:r>
+                      <a:r>
+                        <a:rPr lang="ko-KR" altLang="en-US" sz="700" dirty="0" smtClean="0"/>
+                        <a:t>매칭</a:t>
                       </a:r>
                       <a:endParaRPr lang="ko-KR" altLang="en-US" sz="700" dirty="0"/>
                     </a:p>
@@ -28498,7 +28479,6 @@
                         <a:rPr lang="ko-KR" altLang="en-US" sz="700" dirty="0" smtClean="0"/>
                         <a:t>요건에 맞는 신청자들을 프로젝트에 등록</a:t>
                       </a:r>
-                      <a:endParaRPr lang="ko-KR" altLang="en-US" sz="700" dirty="0" smtClean="0"/>
                     </a:p>
                   </a:txBody>
                   <a:tcPr marL="5173" marR="5173" marT="3881" marB="0" anchor="ctr">
@@ -28868,7 +28848,7 @@
                   </a:ext>
                 </a:extLst>
               </a:tr>
-              <a:tr h="212523">
+              <a:tr h="214882">
                 <a:tc>
                   <a:txBody>
                     <a:bodyPr/>
@@ -29142,7 +29122,18 @@
                           <a:latin typeface="+mn-ea"/>
                           <a:ea typeface="+mn-ea"/>
                         </a:rPr>
-                        <a:t>프로젝트 보기</a:t>
+                        <a:t>내 프로젝트 </a:t>
+                      </a:r>
+                      <a:r>
+                        <a:rPr lang="ko-KR" altLang="en-US" sz="700" u="none" strike="noStrike" dirty="0" smtClean="0">
+                          <a:solidFill>
+                            <a:srgbClr val="3F3F48"/>
+                          </a:solidFill>
+                          <a:effectLst/>
+                          <a:latin typeface="+mn-ea"/>
+                          <a:ea typeface="+mn-ea"/>
+                        </a:rPr>
+                        <a:t>보기</a:t>
                       </a:r>
                       <a:r>
                         <a:rPr lang="ko-KR" altLang="en-US" sz="700" u="none" strike="noStrike" dirty="0">
@@ -29242,7 +29233,18 @@
                           <a:latin typeface="+mn-ea"/>
                           <a:ea typeface="+mn-ea"/>
                         </a:rPr>
-                        <a:t>배치된 작업 확인을 위한 상세보기</a:t>
+                        <a:t>자신이 배치된 </a:t>
+                      </a:r>
+                      <a:r>
+                        <a:rPr lang="ko-KR" altLang="en-US" sz="700" b="0" i="0" u="none" strike="noStrike" dirty="0" smtClean="0">
+                          <a:solidFill>
+                            <a:srgbClr val="3F3F48"/>
+                          </a:solidFill>
+                          <a:effectLst/>
+                          <a:latin typeface="+mn-ea"/>
+                          <a:ea typeface="+mn-ea"/>
+                        </a:rPr>
+                        <a:t>작업 확인을 위한 상세보기</a:t>
                       </a:r>
                       <a:endParaRPr lang="en-US" altLang="ko-KR" sz="700" b="0" i="0" u="none" strike="noStrike" dirty="0">
                         <a:solidFill>

--- a/0317_sample.pptx
+++ b/0317_sample.pptx
@@ -257,7 +257,7 @@
           <a:p>
             <a:fld id="{684ABEAC-FD1E-446D-854E-09142DFB339C}" type="datetimeFigureOut">
               <a:rPr lang="ko-KR" altLang="en-US" smtClean="0"/>
-              <a:t>2023-03-21</a:t>
+              <a:t>2023-03-23</a:t>
             </a:fld>
             <a:endParaRPr lang="ko-KR" altLang="en-US"/>
           </a:p>
@@ -422,7 +422,7 @@
           <a:p>
             <a:fld id="{E299D967-67B2-4132-B52D-A253871A1F24}" type="datetimeFigureOut">
               <a:rPr lang="ko-KR" altLang="en-US" smtClean="0"/>
-              <a:t>2023-03-21</a:t>
+              <a:t>2023-03-23</a:t>
             </a:fld>
             <a:endParaRPr lang="ko-KR" altLang="en-US"/>
           </a:p>
@@ -1132,7 +1132,7 @@
           <a:p>
             <a:fld id="{20303F18-CB98-4E85-A37B-EF5A4E6C8DE7}" type="datetime1">
               <a:rPr lang="ko-KR" altLang="en-US" smtClean="0"/>
-              <a:t>2023-03-21</a:t>
+              <a:t>2023-03-23</a:t>
             </a:fld>
             <a:endParaRPr lang="ko-KR" altLang="en-US"/>
           </a:p>
@@ -1305,7 +1305,7 @@
           <a:p>
             <a:fld id="{CCA16C65-58A5-46D5-A762-12670B92641B}" type="datetime1">
               <a:rPr lang="ko-KR" altLang="en-US" smtClean="0"/>
-              <a:t>2023-03-21</a:t>
+              <a:t>2023-03-23</a:t>
             </a:fld>
             <a:endParaRPr lang="ko-KR" altLang="en-US"/>
           </a:p>
@@ -1483,7 +1483,7 @@
           <a:p>
             <a:fld id="{2D09A68A-AC6E-41FE-B28C-2BB812CC2E01}" type="datetime1">
               <a:rPr lang="ko-KR" altLang="en-US" smtClean="0"/>
-              <a:t>2023-03-21</a:t>
+              <a:t>2023-03-23</a:t>
             </a:fld>
             <a:endParaRPr lang="ko-KR" altLang="en-US"/>
           </a:p>
@@ -1651,7 +1651,7 @@
           <a:p>
             <a:fld id="{690B8B09-A0F3-4880-B090-7FDDEE5B5065}" type="datetime1">
               <a:rPr lang="ko-KR" altLang="en-US" smtClean="0"/>
-              <a:t>2023-03-21</a:t>
+              <a:t>2023-03-23</a:t>
             </a:fld>
             <a:endParaRPr lang="ko-KR" altLang="en-US"/>
           </a:p>
@@ -1896,7 +1896,7 @@
           <a:p>
             <a:fld id="{82F7D3F4-816B-4FA6-91FC-91836ECD0E53}" type="datetime1">
               <a:rPr lang="ko-KR" altLang="en-US" smtClean="0"/>
-              <a:t>2023-03-21</a:t>
+              <a:t>2023-03-23</a:t>
             </a:fld>
             <a:endParaRPr lang="ko-KR" altLang="en-US"/>
           </a:p>
@@ -2181,7 +2181,7 @@
           <a:p>
             <a:fld id="{2FB9FCFF-984A-4549-AB53-391F9EC1244A}" type="datetime1">
               <a:rPr lang="ko-KR" altLang="en-US" smtClean="0"/>
-              <a:t>2023-03-21</a:t>
+              <a:t>2023-03-23</a:t>
             </a:fld>
             <a:endParaRPr lang="ko-KR" altLang="en-US"/>
           </a:p>
@@ -2600,7 +2600,7 @@
           <a:p>
             <a:fld id="{94618DE4-C4FE-4171-90C7-38CF01638033}" type="datetime1">
               <a:rPr lang="ko-KR" altLang="en-US" smtClean="0"/>
-              <a:t>2023-03-21</a:t>
+              <a:t>2023-03-23</a:t>
             </a:fld>
             <a:endParaRPr lang="ko-KR" altLang="en-US"/>
           </a:p>
@@ -2717,7 +2717,7 @@
           <a:p>
             <a:fld id="{33587621-9D18-4C20-9B84-3E938621A025}" type="datetime1">
               <a:rPr lang="ko-KR" altLang="en-US" smtClean="0"/>
-              <a:t>2023-03-21</a:t>
+              <a:t>2023-03-23</a:t>
             </a:fld>
             <a:endParaRPr lang="ko-KR" altLang="en-US"/>
           </a:p>
@@ -3401,7 +3401,7 @@
           <a:p>
             <a:fld id="{B517649B-2577-404C-858E-51E9DEBB2548}" type="datetime1">
               <a:rPr lang="ko-KR" altLang="en-US" smtClean="0"/>
-              <a:t>2023-03-21</a:t>
+              <a:t>2023-03-23</a:t>
             </a:fld>
             <a:endParaRPr lang="ko-KR" altLang="en-US"/>
           </a:p>
@@ -3653,7 +3653,7 @@
           <a:p>
             <a:fld id="{8D84C674-EF46-4F27-9E3E-4F6A170B0DC6}" type="datetime1">
               <a:rPr lang="ko-KR" altLang="en-US" smtClean="0"/>
-              <a:t>2023-03-21</a:t>
+              <a:t>2023-03-23</a:t>
             </a:fld>
             <a:endParaRPr lang="ko-KR" altLang="en-US"/>
           </a:p>
@@ -3864,7 +3864,7 @@
           <a:p>
             <a:fld id="{B40F11ED-9D7B-4CCE-A57D-CC1D7760FB25}" type="datetime1">
               <a:rPr lang="ko-KR" altLang="en-US" smtClean="0"/>
-              <a:t>2023-03-21</a:t>
+              <a:t>2023-03-23</a:t>
             </a:fld>
             <a:endParaRPr lang="ko-KR" altLang="en-US"/>
           </a:p>
@@ -6902,25 +6902,7 @@
                   </a:solidFill>
                   <a:latin typeface="+mn-ea"/>
                 </a:rPr>
-                <a:t>∙ </a:t>
-              </a:r>
-              <a:r>
-                <a:rPr lang="ko-KR" altLang="en-US" sz="900" b="1" dirty="0" smtClean="0">
-                  <a:solidFill>
-                    <a:srgbClr val="464646"/>
-                  </a:solidFill>
-                  <a:latin typeface="+mn-ea"/>
-                </a:rPr>
-                <a:t>녹음 </a:t>
-              </a:r>
-              <a:r>
-                <a:rPr lang="ko-KR" altLang="en-US" sz="900" b="1" dirty="0" smtClean="0">
-                  <a:solidFill>
-                    <a:srgbClr val="464646"/>
-                  </a:solidFill>
-                  <a:latin typeface="+mn-ea"/>
-                </a:rPr>
-                <a:t>작업자 정보 열람 가능</a:t>
+                <a:t>∙ 녹음 작업자 정보 열람 가능</a:t>
               </a:r>
               <a:r>
                 <a:rPr lang="en-US" altLang="ko-KR" sz="900" b="1" dirty="0" smtClean="0">
@@ -7456,16 +7438,7 @@
                   </a:solidFill>
                   <a:latin typeface="+mn-ea"/>
                 </a:rPr>
-                <a:t>업로드 게시판 </a:t>
-              </a:r>
-              <a:r>
-                <a:rPr lang="ko-KR" altLang="en-US" sz="900" b="1" dirty="0" smtClean="0">
-                  <a:solidFill>
-                    <a:srgbClr val="464646"/>
-                  </a:solidFill>
-                  <a:latin typeface="+mn-ea"/>
-                </a:rPr>
-                <a:t>등록</a:t>
+                <a:t>업로드 게시판 등록</a:t>
               </a:r>
               <a:r>
                 <a:rPr lang="en-US" altLang="ko-KR" sz="900" b="1" dirty="0" smtClean="0">
@@ -7861,12 +7834,6 @@
                 </a:rPr>
                 <a:t>)</a:t>
               </a:r>
-              <a:endParaRPr lang="en-US" altLang="ko-KR" sz="900" b="1" dirty="0" smtClean="0">
-                <a:solidFill>
-                  <a:srgbClr val="464646"/>
-                </a:solidFill>
-                <a:latin typeface="+mn-ea"/>
-              </a:endParaRPr>
             </a:p>
             <a:p>
               <a:r>
@@ -8192,7 +8159,15 @@
                   <a:schemeClr val="tx1"/>
                 </a:solidFill>
               </a:rPr>
-              <a:t>프로젝트에 참여하고자 하는 </a:t>
+              <a:t>프로젝트에 참여하고자 하는 사람</a:t>
+            </a:r>
+            <a:r>
+              <a:rPr lang="en-US" altLang="ko-KR" sz="1200" b="1" dirty="0" smtClean="0">
+                <a:solidFill>
+                  <a:schemeClr val="tx1"/>
+                </a:solidFill>
+              </a:rPr>
+              <a:t>. </a:t>
             </a:r>
             <a:r>
               <a:rPr lang="ko-KR" altLang="en-US" sz="1200" b="1" dirty="0" smtClean="0">
@@ -8200,23 +8175,29 @@
                   <a:schemeClr val="tx1"/>
                 </a:solidFill>
               </a:rPr>
-              <a:t>사람</a:t>
-            </a:r>
-            <a:r>
-              <a:rPr lang="en-US" altLang="ko-KR" sz="1200" b="1" dirty="0" smtClean="0">
+              <a:t>신청을 위해선 회원가입 필수</a:t>
+            </a:r>
+            <a:r>
+              <a:rPr lang="en-US" altLang="ko-KR" sz="1200" b="1" dirty="0">
                 <a:solidFill>
                   <a:schemeClr val="tx1"/>
                 </a:solidFill>
               </a:rPr>
-              <a:t>. </a:t>
-            </a:r>
+              <a:t>.</a:t>
+            </a:r>
+          </a:p>
+          <a:p>
+            <a:pPr marL="171450" indent="-171450">
+              <a:buFontTx/>
+              <a:buChar char="-"/>
+            </a:pPr>
             <a:r>
               <a:rPr lang="ko-KR" altLang="en-US" sz="1200" b="1" dirty="0" smtClean="0">
                 <a:solidFill>
                   <a:schemeClr val="tx1"/>
                 </a:solidFill>
               </a:rPr>
-              <a:t>신청을 위해선 회원가입 필수</a:t>
+              <a:t>프로젝트 관리자 </a:t>
             </a:r>
             <a:r>
               <a:rPr lang="en-US" altLang="ko-KR" sz="1200" b="1" dirty="0">
@@ -8224,7 +8205,31 @@
                   <a:schemeClr val="tx1"/>
                 </a:solidFill>
               </a:rPr>
-              <a:t>.</a:t>
+              <a:t>: </a:t>
+            </a:r>
+            <a:r>
+              <a:rPr lang="ko-KR" altLang="en-US" sz="1200" b="1" dirty="0" smtClean="0">
+                <a:solidFill>
+                  <a:schemeClr val="tx1"/>
+                </a:solidFill>
+              </a:rPr>
+              <a:t>프로젝트 및 작업자 관리 </a:t>
+            </a:r>
+            <a:r>
+              <a:rPr lang="ko-KR" altLang="en-US" sz="1200" b="1" dirty="0">
+                <a:solidFill>
+                  <a:schemeClr val="tx1"/>
+                </a:solidFill>
+              </a:rPr>
+              <a:t>권한을 부여 받은 </a:t>
+            </a:r>
+            <a:r>
+              <a:rPr lang="ko-KR" altLang="en-US" sz="1200" b="1" dirty="0" smtClean="0">
+                <a:solidFill>
+                  <a:schemeClr val="tx1"/>
+                </a:solidFill>
+              </a:rPr>
+              <a:t>관리자</a:t>
             </a:r>
             <a:endParaRPr lang="en-US" altLang="ko-KR" sz="1200" b="1" dirty="0">
               <a:solidFill>
@@ -8243,7 +8248,39 @@
                   <a:schemeClr val="tx1"/>
                 </a:solidFill>
               </a:rPr>
-              <a:t>프로젝트 관리자 </a:t>
+              <a:t>일정 관리자 </a:t>
+            </a:r>
+            <a:r>
+              <a:rPr lang="en-US" altLang="ko-KR" sz="1200" b="1" dirty="0" smtClean="0">
+                <a:solidFill>
+                  <a:schemeClr val="tx1"/>
+                </a:solidFill>
+              </a:rPr>
+              <a:t>: </a:t>
+            </a:r>
+            <a:r>
+              <a:rPr lang="ko-KR" altLang="en-US" sz="1200" b="1" dirty="0" smtClean="0">
+                <a:solidFill>
+                  <a:schemeClr val="tx1"/>
+                </a:solidFill>
+              </a:rPr>
+              <a:t>신청자들의 채용을 결정하는 역할</a:t>
+            </a:r>
+            <a:r>
+              <a:rPr lang="en-US" altLang="ko-KR" sz="1200" b="1" dirty="0" smtClean="0">
+                <a:solidFill>
+                  <a:schemeClr val="tx1"/>
+                </a:solidFill>
+              </a:rPr>
+              <a:t>, </a:t>
+            </a:r>
+            <a:r>
+              <a:rPr lang="ko-KR" altLang="en-US" sz="1200" b="1" dirty="0" smtClean="0">
+                <a:solidFill>
+                  <a:schemeClr val="tx1"/>
+                </a:solidFill>
+              </a:rPr>
+              <a:t>유일하게 신청자 정보</a:t>
             </a:r>
             <a:r>
               <a:rPr lang="en-US" altLang="ko-KR" sz="1200" b="1" dirty="0">
@@ -8251,7 +8288,7 @@
                   <a:schemeClr val="tx1"/>
                 </a:solidFill>
               </a:rPr>
-              <a:t>: </a:t>
+              <a:t> </a:t>
             </a:r>
             <a:r>
               <a:rPr lang="ko-KR" altLang="en-US" sz="1200" b="1" dirty="0" smtClean="0">
@@ -8259,23 +8296,7 @@
                   <a:schemeClr val="tx1"/>
                 </a:solidFill>
               </a:rPr>
-              <a:t>프로젝트 및 작업자 관리 </a:t>
-            </a:r>
-            <a:r>
-              <a:rPr lang="ko-KR" altLang="en-US" sz="1200" b="1" dirty="0">
-                <a:solidFill>
-                  <a:schemeClr val="tx1"/>
-                </a:solidFill>
-              </a:rPr>
-              <a:t>권한을 부여 받은 </a:t>
-            </a:r>
-            <a:r>
-              <a:rPr lang="ko-KR" altLang="en-US" sz="1200" b="1" dirty="0" smtClean="0">
-                <a:solidFill>
-                  <a:schemeClr val="tx1"/>
-                </a:solidFill>
-              </a:rPr>
-              <a:t>관리자</a:t>
+              <a:t>열람 가능</a:t>
             </a:r>
             <a:endParaRPr lang="en-US" altLang="ko-KR" sz="1200" b="1" dirty="0">
               <a:solidFill>
@@ -8294,7 +8315,23 @@
                   <a:schemeClr val="tx1"/>
                 </a:solidFill>
               </a:rPr>
-              <a:t>일정 관리자 </a:t>
+              <a:t>녹음 작업자 </a:t>
+            </a:r>
+            <a:r>
+              <a:rPr lang="en-US" altLang="ko-KR" sz="1200" b="1" dirty="0">
+                <a:solidFill>
+                  <a:schemeClr val="tx1"/>
+                </a:solidFill>
+              </a:rPr>
+              <a:t>: </a:t>
+            </a:r>
+            <a:r>
+              <a:rPr lang="ko-KR" altLang="en-US" sz="1200" b="1" dirty="0" smtClean="0">
+                <a:solidFill>
+                  <a:schemeClr val="tx1"/>
+                </a:solidFill>
+              </a:rPr>
+              <a:t>녹음 데이터 취득 작업자</a:t>
             </a:r>
             <a:r>
               <a:rPr lang="en-US" altLang="ko-KR" sz="1200" b="1" dirty="0" smtClean="0">
@@ -8302,7 +8339,7 @@
                   <a:schemeClr val="tx1"/>
                 </a:solidFill>
               </a:rPr>
-              <a:t>: </a:t>
+              <a:t>. </a:t>
             </a:r>
             <a:r>
               <a:rPr lang="ko-KR" altLang="en-US" sz="1200" b="1" dirty="0" smtClean="0">
@@ -8310,114 +8347,7 @@
                   <a:schemeClr val="tx1"/>
                 </a:solidFill>
               </a:rPr>
-              <a:t>신청자들의 채용을 결정하는 역할</a:t>
-            </a:r>
-            <a:r>
-              <a:rPr lang="en-US" altLang="ko-KR" sz="1200" b="1" dirty="0" smtClean="0">
-                <a:solidFill>
-                  <a:schemeClr val="tx1"/>
-                </a:solidFill>
-              </a:rPr>
-              <a:t>, </a:t>
-            </a:r>
-            <a:r>
-              <a:rPr lang="ko-KR" altLang="en-US" sz="1200" b="1" dirty="0" smtClean="0">
-                <a:solidFill>
-                  <a:schemeClr val="tx1"/>
-                </a:solidFill>
-              </a:rPr>
-              <a:t>유일하게 신청자 </a:t>
-            </a:r>
-            <a:r>
-              <a:rPr lang="ko-KR" altLang="en-US" sz="1200" b="1" dirty="0" smtClean="0">
-                <a:solidFill>
-                  <a:schemeClr val="tx1"/>
-                </a:solidFill>
-              </a:rPr>
-              <a:t>정보</a:t>
-            </a:r>
-            <a:r>
-              <a:rPr lang="en-US" altLang="ko-KR" sz="1200" b="1" dirty="0">
-                <a:solidFill>
-                  <a:schemeClr val="tx1"/>
-                </a:solidFill>
-              </a:rPr>
-              <a:t> </a:t>
-            </a:r>
-            <a:r>
-              <a:rPr lang="ko-KR" altLang="en-US" sz="1200" b="1" dirty="0" smtClean="0">
-                <a:solidFill>
-                  <a:schemeClr val="tx1"/>
-                </a:solidFill>
-              </a:rPr>
-              <a:t>열람 </a:t>
-            </a:r>
-            <a:r>
-              <a:rPr lang="ko-KR" altLang="en-US" sz="1200" b="1" dirty="0" smtClean="0">
-                <a:solidFill>
-                  <a:schemeClr val="tx1"/>
-                </a:solidFill>
-              </a:rPr>
-              <a:t>가능</a:t>
-            </a:r>
-            <a:endParaRPr lang="en-US" altLang="ko-KR" sz="1200" b="1" dirty="0">
-              <a:solidFill>
-                <a:schemeClr val="tx1"/>
-              </a:solidFill>
-            </a:endParaRPr>
-          </a:p>
-          <a:p>
-            <a:pPr marL="171450" indent="-171450">
-              <a:buFontTx/>
-              <a:buChar char="-"/>
-            </a:pPr>
-            <a:r>
-              <a:rPr lang="ko-KR" altLang="en-US" sz="1200" b="1" dirty="0" smtClean="0">
-                <a:solidFill>
-                  <a:schemeClr val="tx1"/>
-                </a:solidFill>
-              </a:rPr>
-              <a:t>녹음 작업자 </a:t>
-            </a:r>
-            <a:r>
-              <a:rPr lang="en-US" altLang="ko-KR" sz="1200" b="1" dirty="0">
-                <a:solidFill>
-                  <a:schemeClr val="tx1"/>
-                </a:solidFill>
-              </a:rPr>
-              <a:t>: </a:t>
-            </a:r>
-            <a:r>
-              <a:rPr lang="ko-KR" altLang="en-US" sz="1200" b="1" dirty="0" smtClean="0">
-                <a:solidFill>
-                  <a:schemeClr val="tx1"/>
-                </a:solidFill>
-              </a:rPr>
-              <a:t>녹음 데이터 취득 작업자</a:t>
-            </a:r>
-            <a:r>
-              <a:rPr lang="en-US" altLang="ko-KR" sz="1200" b="1" dirty="0" smtClean="0">
-                <a:solidFill>
-                  <a:schemeClr val="tx1"/>
-                </a:solidFill>
-              </a:rPr>
-              <a:t>. </a:t>
-            </a:r>
-            <a:r>
-              <a:rPr lang="ko-KR" altLang="en-US" sz="1200" b="1" dirty="0" smtClean="0">
-                <a:solidFill>
-                  <a:schemeClr val="tx1"/>
-                </a:solidFill>
-              </a:rPr>
-              <a:t>취득 파일을 업로드 </a:t>
-            </a:r>
-            <a:r>
-              <a:rPr lang="ko-KR" altLang="en-US" sz="1200" b="1" dirty="0" smtClean="0">
-                <a:solidFill>
-                  <a:schemeClr val="tx1"/>
-                </a:solidFill>
-              </a:rPr>
-              <a:t>하는 역할</a:t>
+              <a:t>취득 파일을 업로드 하는 역할</a:t>
             </a:r>
             <a:r>
               <a:rPr lang="en-US" altLang="ko-KR" sz="1200" b="1" dirty="0" smtClean="0">
@@ -28382,11 +28312,7 @@
                       <a:pPr algn="ctr" latinLnBrk="1"/>
                       <a:r>
                         <a:rPr lang="ko-KR" altLang="en-US" sz="700" dirty="0" smtClean="0"/>
-                        <a:t>신청자 </a:t>
-                      </a:r>
-                      <a:r>
-                        <a:rPr lang="ko-KR" altLang="en-US" sz="700" dirty="0" smtClean="0"/>
-                        <a:t>매칭</a:t>
+                        <a:t>신청자 매칭</a:t>
                       </a:r>
                       <a:endParaRPr lang="ko-KR" altLang="en-US" sz="700" dirty="0"/>
                     </a:p>
@@ -29122,18 +29048,7 @@
                           <a:latin typeface="+mn-ea"/>
                           <a:ea typeface="+mn-ea"/>
                         </a:rPr>
-                        <a:t>내 프로젝트 </a:t>
-                      </a:r>
-                      <a:r>
-                        <a:rPr lang="ko-KR" altLang="en-US" sz="700" u="none" strike="noStrike" dirty="0" smtClean="0">
-                          <a:solidFill>
-                            <a:srgbClr val="3F3F48"/>
-                          </a:solidFill>
-                          <a:effectLst/>
-                          <a:latin typeface="+mn-ea"/>
-                          <a:ea typeface="+mn-ea"/>
-                        </a:rPr>
-                        <a:t>보기</a:t>
+                        <a:t>내 프로젝트 보기</a:t>
                       </a:r>
                       <a:r>
                         <a:rPr lang="ko-KR" altLang="en-US" sz="700" u="none" strike="noStrike" dirty="0">
@@ -29233,18 +29148,7 @@
                           <a:latin typeface="+mn-ea"/>
                           <a:ea typeface="+mn-ea"/>
                         </a:rPr>
-                        <a:t>자신이 배치된 </a:t>
-                      </a:r>
-                      <a:r>
-                        <a:rPr lang="ko-KR" altLang="en-US" sz="700" b="0" i="0" u="none" strike="noStrike" dirty="0" smtClean="0">
-                          <a:solidFill>
-                            <a:srgbClr val="3F3F48"/>
-                          </a:solidFill>
-                          <a:effectLst/>
-                          <a:latin typeface="+mn-ea"/>
-                          <a:ea typeface="+mn-ea"/>
-                        </a:rPr>
-                        <a:t>작업 확인을 위한 상세보기</a:t>
+                        <a:t>자신이 배치된 작업 확인을 위한 상세보기</a:t>
                       </a:r>
                       <a:endParaRPr lang="en-US" altLang="ko-KR" sz="700" b="0" i="0" u="none" strike="noStrike" dirty="0">
                         <a:solidFill>
